--- a/Backpack_plus_remaster/Дипломная работа.pptx
+++ b/Backpack_plus_remaster/Дипломная работа.pptx
@@ -10,10 +10,16 @@
     <p:sldId id="259" r:id="rId4"/>
     <p:sldId id="260" r:id="rId5"/>
     <p:sldId id="261" r:id="rId6"/>
-    <p:sldId id="262" r:id="rId7"/>
-    <p:sldId id="263" r:id="rId8"/>
-    <p:sldId id="264" r:id="rId9"/>
-    <p:sldId id="257" r:id="rId10"/>
+    <p:sldId id="266" r:id="rId7"/>
+    <p:sldId id="267" r:id="rId8"/>
+    <p:sldId id="262" r:id="rId9"/>
+    <p:sldId id="268" r:id="rId10"/>
+    <p:sldId id="269" r:id="rId11"/>
+    <p:sldId id="270" r:id="rId12"/>
+    <p:sldId id="263" r:id="rId13"/>
+    <p:sldId id="264" r:id="rId14"/>
+    <p:sldId id="265" r:id="rId15"/>
+    <p:sldId id="257" r:id="rId16"/>
   </p:sldIdLst>
   <p:sldSz cx="12192000" cy="6858000"/>
   <p:notesSz cx="6858000" cy="9144000"/>
@@ -112,7 +118,2390 @@
       </a:defRPr>
     </a:lvl9pPr>
   </p:defaultTextStyle>
+  <p:extLst>
+    <p:ext uri="{EFAFB233-063F-42B5-8137-9DF3F51BA10A}">
+      <p15:sldGuideLst xmlns:p15="http://schemas.microsoft.com/office/powerpoint/2012/main"/>
+    </p:ext>
+  </p:extLst>
 </p:presentation>
+</file>
+
+<file path=ppt/charts/chart1.xml><?xml version="1.0" encoding="utf-8"?>
+<c:chartSpace xmlns:c="http://schemas.openxmlformats.org/drawingml/2006/chart" xmlns:a="http://schemas.openxmlformats.org/drawingml/2006/main" xmlns:r="http://schemas.openxmlformats.org/officeDocument/2006/relationships" xmlns:c16r2="http://schemas.microsoft.com/office/drawing/2015/06/chart">
+  <c:date1904 val="0"/>
+  <c:lang val="ru-RU"/>
+  <c:roundedCorners val="0"/>
+  <mc:AlternateContent xmlns:mc="http://schemas.openxmlformats.org/markup-compatibility/2006">
+    <mc:Choice xmlns:c14="http://schemas.microsoft.com/office/drawing/2007/8/2/chart" Requires="c14">
+      <c14:style val="102"/>
+    </mc:Choice>
+    <mc:Fallback>
+      <c:style val="2"/>
+    </mc:Fallback>
+  </mc:AlternateContent>
+  <c:chart>
+    <c:title>
+      <c:layout/>
+      <c:overlay val="0"/>
+      <c:spPr>
+        <a:noFill/>
+        <a:ln>
+          <a:noFill/>
+        </a:ln>
+        <a:effectLst/>
+      </c:spPr>
+      <c:txPr>
+        <a:bodyPr rot="0" spcFirstLastPara="1" vertOverflow="ellipsis" vert="horz" wrap="square" anchor="ctr" anchorCtr="1"/>
+        <a:lstStyle/>
+        <a:p>
+          <a:pPr>
+            <a:defRPr sz="1862" b="0" i="0" u="none" strike="noStrike" kern="1200" spc="0" baseline="0">
+              <a:solidFill>
+                <a:schemeClr val="tx1">
+                  <a:lumMod val="65000"/>
+                  <a:lumOff val="35000"/>
+                </a:schemeClr>
+              </a:solidFill>
+              <a:latin typeface="+mn-lt"/>
+              <a:ea typeface="+mn-ea"/>
+              <a:cs typeface="+mn-cs"/>
+            </a:defRPr>
+          </a:pPr>
+          <a:endParaRPr lang="ru-RU"/>
+        </a:p>
+      </c:txPr>
+    </c:title>
+    <c:autoTitleDeleted val="0"/>
+    <c:plotArea>
+      <c:layout/>
+      <c:lineChart>
+        <c:grouping val="stacked"/>
+        <c:varyColors val="0"/>
+        <c:ser>
+          <c:idx val="0"/>
+          <c:order val="0"/>
+          <c:tx>
+            <c:strRef>
+              <c:f>Лист1!$B$1</c:f>
+              <c:strCache>
+                <c:ptCount val="1"/>
+                <c:pt idx="0">
+                  <c:v>Жадный алгоритм</c:v>
+                </c:pt>
+              </c:strCache>
+            </c:strRef>
+          </c:tx>
+          <c:spPr>
+            <a:ln w="28575" cap="rnd">
+              <a:solidFill>
+                <a:schemeClr val="accent1"/>
+              </a:solidFill>
+              <a:round/>
+            </a:ln>
+            <a:effectLst/>
+          </c:spPr>
+          <c:marker>
+            <c:symbol val="none"/>
+          </c:marker>
+          <c:dLbls>
+            <c:spPr>
+              <a:noFill/>
+              <a:ln>
+                <a:noFill/>
+              </a:ln>
+              <a:effectLst/>
+            </c:spPr>
+            <c:txPr>
+              <a:bodyPr rot="0" spcFirstLastPara="1" vertOverflow="ellipsis" vert="horz" wrap="square" lIns="38100" tIns="19050" rIns="38100" bIns="19050" anchor="ctr" anchorCtr="1">
+                <a:spAutoFit/>
+              </a:bodyPr>
+              <a:lstStyle/>
+              <a:p>
+                <a:pPr>
+                  <a:defRPr sz="1197" b="0" i="0" u="none" strike="noStrike" kern="1200" baseline="0">
+                    <a:solidFill>
+                      <a:schemeClr val="tx1">
+                        <a:lumMod val="75000"/>
+                        <a:lumOff val="25000"/>
+                      </a:schemeClr>
+                    </a:solidFill>
+                    <a:latin typeface="+mn-lt"/>
+                    <a:ea typeface="+mn-ea"/>
+                    <a:cs typeface="+mn-cs"/>
+                  </a:defRPr>
+                </a:pPr>
+                <a:endParaRPr lang="ru-RU"/>
+              </a:p>
+            </c:txPr>
+            <c:dLblPos val="ctr"/>
+            <c:showLegendKey val="0"/>
+            <c:showVal val="1"/>
+            <c:showCatName val="0"/>
+            <c:showSerName val="0"/>
+            <c:showPercent val="0"/>
+            <c:showBubbleSize val="0"/>
+            <c:showLeaderLines val="0"/>
+            <c:extLst>
+              <c:ext xmlns:c15="http://schemas.microsoft.com/office/drawing/2012/chart" uri="{CE6537A1-D6FC-4f65-9D91-7224C49458BB}">
+                <c15:layout/>
+                <c15:showLeaderLines val="1"/>
+                <c15:leaderLines>
+                  <c:spPr>
+                    <a:ln w="9525" cap="flat" cmpd="sng" algn="ctr">
+                      <a:solidFill>
+                        <a:schemeClr val="tx1">
+                          <a:lumMod val="35000"/>
+                          <a:lumOff val="65000"/>
+                        </a:schemeClr>
+                      </a:solidFill>
+                      <a:round/>
+                    </a:ln>
+                    <a:effectLst/>
+                  </c:spPr>
+                </c15:leaderLines>
+              </c:ext>
+            </c:extLst>
+          </c:dLbls>
+          <c:cat>
+            <c:strRef>
+              <c:f>Лист1!$A$2:$A$5</c:f>
+              <c:strCache>
+                <c:ptCount val="4"/>
+                <c:pt idx="0">
+                  <c:v>7х11</c:v>
+                </c:pt>
+                <c:pt idx="1">
+                  <c:v>12х21</c:v>
+                </c:pt>
+                <c:pt idx="2">
+                  <c:v>13х21</c:v>
+                </c:pt>
+                <c:pt idx="3">
+                  <c:v>15х21</c:v>
+                </c:pt>
+              </c:strCache>
+            </c:strRef>
+          </c:cat>
+          <c:val>
+            <c:numRef>
+              <c:f>Лист1!$B$2:$B$5</c:f>
+              <c:numCache>
+                <c:formatCode>General</c:formatCode>
+                <c:ptCount val="4"/>
+                <c:pt idx="0">
+                  <c:v>0</c:v>
+                </c:pt>
+                <c:pt idx="1">
+                  <c:v>0</c:v>
+                </c:pt>
+                <c:pt idx="2">
+                  <c:v>0</c:v>
+                </c:pt>
+                <c:pt idx="3">
+                  <c:v>0</c:v>
+                </c:pt>
+              </c:numCache>
+            </c:numRef>
+          </c:val>
+          <c:smooth val="0"/>
+          <c:extLst>
+            <c:ext xmlns:c16="http://schemas.microsoft.com/office/drawing/2014/chart" uri="{C3380CC4-5D6E-409C-BE32-E72D297353CC}">
+              <c16:uniqueId val="{00000000-37EA-4817-A8FF-3503D1464563}"/>
+            </c:ext>
+          </c:extLst>
+        </c:ser>
+        <c:ser>
+          <c:idx val="1"/>
+          <c:order val="1"/>
+          <c:tx>
+            <c:strRef>
+              <c:f>Лист1!$C$1</c:f>
+              <c:strCache>
+                <c:ptCount val="1"/>
+                <c:pt idx="0">
+                  <c:v>Генетический алгоритм</c:v>
+                </c:pt>
+              </c:strCache>
+            </c:strRef>
+          </c:tx>
+          <c:spPr>
+            <a:ln w="28575" cap="rnd">
+              <a:solidFill>
+                <a:schemeClr val="accent2"/>
+              </a:solidFill>
+              <a:round/>
+            </a:ln>
+            <a:effectLst/>
+          </c:spPr>
+          <c:marker>
+            <c:symbol val="none"/>
+          </c:marker>
+          <c:dLbls>
+            <c:spPr>
+              <a:noFill/>
+              <a:ln>
+                <a:noFill/>
+              </a:ln>
+              <a:effectLst/>
+            </c:spPr>
+            <c:txPr>
+              <a:bodyPr rot="0" spcFirstLastPara="1" vertOverflow="ellipsis" vert="horz" wrap="square" lIns="38100" tIns="19050" rIns="38100" bIns="19050" anchor="ctr" anchorCtr="1">
+                <a:spAutoFit/>
+              </a:bodyPr>
+              <a:lstStyle/>
+              <a:p>
+                <a:pPr>
+                  <a:defRPr sz="1197" b="0" i="0" u="none" strike="noStrike" kern="1200" baseline="0">
+                    <a:solidFill>
+                      <a:schemeClr val="tx1">
+                        <a:lumMod val="75000"/>
+                        <a:lumOff val="25000"/>
+                      </a:schemeClr>
+                    </a:solidFill>
+                    <a:latin typeface="+mn-lt"/>
+                    <a:ea typeface="+mn-ea"/>
+                    <a:cs typeface="+mn-cs"/>
+                  </a:defRPr>
+                </a:pPr>
+                <a:endParaRPr lang="ru-RU"/>
+              </a:p>
+            </c:txPr>
+            <c:dLblPos val="ctr"/>
+            <c:showLegendKey val="0"/>
+            <c:showVal val="1"/>
+            <c:showCatName val="0"/>
+            <c:showSerName val="0"/>
+            <c:showPercent val="0"/>
+            <c:showBubbleSize val="0"/>
+            <c:showLeaderLines val="0"/>
+            <c:extLst>
+              <c:ext xmlns:c15="http://schemas.microsoft.com/office/drawing/2012/chart" uri="{CE6537A1-D6FC-4f65-9D91-7224C49458BB}">
+                <c15:layout/>
+                <c15:showLeaderLines val="1"/>
+                <c15:leaderLines>
+                  <c:spPr>
+                    <a:ln w="9525" cap="flat" cmpd="sng" algn="ctr">
+                      <a:solidFill>
+                        <a:schemeClr val="tx1">
+                          <a:lumMod val="35000"/>
+                          <a:lumOff val="65000"/>
+                        </a:schemeClr>
+                      </a:solidFill>
+                      <a:round/>
+                    </a:ln>
+                    <a:effectLst/>
+                  </c:spPr>
+                </c15:leaderLines>
+              </c:ext>
+            </c:extLst>
+          </c:dLbls>
+          <c:cat>
+            <c:strRef>
+              <c:f>Лист1!$A$2:$A$5</c:f>
+              <c:strCache>
+                <c:ptCount val="4"/>
+                <c:pt idx="0">
+                  <c:v>7х11</c:v>
+                </c:pt>
+                <c:pt idx="1">
+                  <c:v>12х21</c:v>
+                </c:pt>
+                <c:pt idx="2">
+                  <c:v>13х21</c:v>
+                </c:pt>
+                <c:pt idx="3">
+                  <c:v>15х21</c:v>
+                </c:pt>
+              </c:strCache>
+            </c:strRef>
+          </c:cat>
+          <c:val>
+            <c:numRef>
+              <c:f>Лист1!$C$2:$C$5</c:f>
+              <c:numCache>
+                <c:formatCode>0.00</c:formatCode>
+                <c:ptCount val="4"/>
+                <c:pt idx="0" formatCode="General">
+                  <c:v>0.46</c:v>
+                </c:pt>
+                <c:pt idx="1">
+                  <c:v>5.22</c:v>
+                </c:pt>
+                <c:pt idx="2">
+                  <c:v>7.95</c:v>
+                </c:pt>
+                <c:pt idx="3">
+                  <c:v>11.38</c:v>
+                </c:pt>
+              </c:numCache>
+            </c:numRef>
+          </c:val>
+          <c:smooth val="0"/>
+          <c:extLst>
+            <c:ext xmlns:c16="http://schemas.microsoft.com/office/drawing/2014/chart" uri="{C3380CC4-5D6E-409C-BE32-E72D297353CC}">
+              <c16:uniqueId val="{00000001-37EA-4817-A8FF-3503D1464563}"/>
+            </c:ext>
+          </c:extLst>
+        </c:ser>
+        <c:ser>
+          <c:idx val="2"/>
+          <c:order val="2"/>
+          <c:tx>
+            <c:strRef>
+              <c:f>Лист1!$D$1</c:f>
+              <c:strCache>
+                <c:ptCount val="1"/>
+                <c:pt idx="0">
+                  <c:v>Динамическое программирование</c:v>
+                </c:pt>
+              </c:strCache>
+            </c:strRef>
+          </c:tx>
+          <c:spPr>
+            <a:ln w="28575" cap="rnd">
+              <a:solidFill>
+                <a:schemeClr val="accent3"/>
+              </a:solidFill>
+              <a:round/>
+            </a:ln>
+            <a:effectLst/>
+          </c:spPr>
+          <c:marker>
+            <c:symbol val="none"/>
+          </c:marker>
+          <c:dLbls>
+            <c:spPr>
+              <a:noFill/>
+              <a:ln>
+                <a:noFill/>
+              </a:ln>
+              <a:effectLst/>
+            </c:spPr>
+            <c:txPr>
+              <a:bodyPr rot="0" spcFirstLastPara="1" vertOverflow="ellipsis" vert="horz" wrap="square" lIns="38100" tIns="19050" rIns="38100" bIns="19050" anchor="ctr" anchorCtr="1">
+                <a:spAutoFit/>
+              </a:bodyPr>
+              <a:lstStyle/>
+              <a:p>
+                <a:pPr>
+                  <a:defRPr sz="1197" b="0" i="0" u="none" strike="noStrike" kern="1200" baseline="0">
+                    <a:solidFill>
+                      <a:schemeClr val="tx1">
+                        <a:lumMod val="75000"/>
+                        <a:lumOff val="25000"/>
+                      </a:schemeClr>
+                    </a:solidFill>
+                    <a:latin typeface="+mn-lt"/>
+                    <a:ea typeface="+mn-ea"/>
+                    <a:cs typeface="+mn-cs"/>
+                  </a:defRPr>
+                </a:pPr>
+                <a:endParaRPr lang="ru-RU"/>
+              </a:p>
+            </c:txPr>
+            <c:dLblPos val="ctr"/>
+            <c:showLegendKey val="0"/>
+            <c:showVal val="1"/>
+            <c:showCatName val="0"/>
+            <c:showSerName val="0"/>
+            <c:showPercent val="0"/>
+            <c:showBubbleSize val="0"/>
+            <c:showLeaderLines val="0"/>
+            <c:extLst>
+              <c:ext xmlns:c15="http://schemas.microsoft.com/office/drawing/2012/chart" uri="{CE6537A1-D6FC-4f65-9D91-7224C49458BB}">
+                <c15:layout/>
+                <c15:showLeaderLines val="1"/>
+                <c15:leaderLines>
+                  <c:spPr>
+                    <a:ln w="9525" cap="flat" cmpd="sng" algn="ctr">
+                      <a:solidFill>
+                        <a:schemeClr val="tx1">
+                          <a:lumMod val="35000"/>
+                          <a:lumOff val="65000"/>
+                        </a:schemeClr>
+                      </a:solidFill>
+                      <a:round/>
+                    </a:ln>
+                    <a:effectLst/>
+                  </c:spPr>
+                </c15:leaderLines>
+              </c:ext>
+            </c:extLst>
+          </c:dLbls>
+          <c:cat>
+            <c:strRef>
+              <c:f>Лист1!$A$2:$A$5</c:f>
+              <c:strCache>
+                <c:ptCount val="4"/>
+                <c:pt idx="0">
+                  <c:v>7х11</c:v>
+                </c:pt>
+                <c:pt idx="1">
+                  <c:v>12х21</c:v>
+                </c:pt>
+                <c:pt idx="2">
+                  <c:v>13х21</c:v>
+                </c:pt>
+                <c:pt idx="3">
+                  <c:v>15х21</c:v>
+                </c:pt>
+              </c:strCache>
+            </c:strRef>
+          </c:cat>
+          <c:val>
+            <c:numRef>
+              <c:f>Лист1!$D$2:$D$5</c:f>
+              <c:numCache>
+                <c:formatCode>General</c:formatCode>
+                <c:ptCount val="4"/>
+                <c:pt idx="0">
+                  <c:v>0</c:v>
+                </c:pt>
+                <c:pt idx="1">
+                  <c:v>58.09</c:v>
+                </c:pt>
+                <c:pt idx="2">
+                  <c:v>156.35</c:v>
+                </c:pt>
+              </c:numCache>
+            </c:numRef>
+          </c:val>
+          <c:smooth val="0"/>
+          <c:extLst>
+            <c:ext xmlns:c16="http://schemas.microsoft.com/office/drawing/2014/chart" uri="{C3380CC4-5D6E-409C-BE32-E72D297353CC}">
+              <c16:uniqueId val="{00000002-37EA-4817-A8FF-3503D1464563}"/>
+            </c:ext>
+          </c:extLst>
+        </c:ser>
+        <c:dLbls>
+          <c:dLblPos val="ctr"/>
+          <c:showLegendKey val="0"/>
+          <c:showVal val="1"/>
+          <c:showCatName val="0"/>
+          <c:showSerName val="0"/>
+          <c:showPercent val="0"/>
+          <c:showBubbleSize val="0"/>
+        </c:dLbls>
+        <c:smooth val="0"/>
+        <c:axId val="247116240"/>
+        <c:axId val="338944176"/>
+      </c:lineChart>
+      <c:catAx>
+        <c:axId val="247116240"/>
+        <c:scaling>
+          <c:orientation val="minMax"/>
+        </c:scaling>
+        <c:delete val="0"/>
+        <c:axPos val="b"/>
+        <c:numFmt formatCode="General" sourceLinked="1"/>
+        <c:majorTickMark val="none"/>
+        <c:minorTickMark val="none"/>
+        <c:tickLblPos val="nextTo"/>
+        <c:spPr>
+          <a:noFill/>
+          <a:ln w="9525" cap="flat" cmpd="sng" algn="ctr">
+            <a:solidFill>
+              <a:schemeClr val="tx1">
+                <a:lumMod val="15000"/>
+                <a:lumOff val="85000"/>
+              </a:schemeClr>
+            </a:solidFill>
+            <a:round/>
+          </a:ln>
+          <a:effectLst/>
+        </c:spPr>
+        <c:txPr>
+          <a:bodyPr rot="-60000000" spcFirstLastPara="1" vertOverflow="ellipsis" vert="horz" wrap="square" anchor="ctr" anchorCtr="1"/>
+          <a:lstStyle/>
+          <a:p>
+            <a:pPr>
+              <a:defRPr sz="1197" b="0" i="0" u="none" strike="noStrike" kern="1200" baseline="0">
+                <a:solidFill>
+                  <a:schemeClr val="tx1">
+                    <a:lumMod val="65000"/>
+                    <a:lumOff val="35000"/>
+                  </a:schemeClr>
+                </a:solidFill>
+                <a:latin typeface="+mn-lt"/>
+                <a:ea typeface="+mn-ea"/>
+                <a:cs typeface="+mn-cs"/>
+              </a:defRPr>
+            </a:pPr>
+            <a:endParaRPr lang="ru-RU"/>
+          </a:p>
+        </c:txPr>
+        <c:crossAx val="338944176"/>
+        <c:crosses val="autoZero"/>
+        <c:auto val="1"/>
+        <c:lblAlgn val="ctr"/>
+        <c:lblOffset val="100"/>
+        <c:noMultiLvlLbl val="0"/>
+      </c:catAx>
+      <c:valAx>
+        <c:axId val="338944176"/>
+        <c:scaling>
+          <c:orientation val="minMax"/>
+        </c:scaling>
+        <c:delete val="0"/>
+        <c:axPos val="l"/>
+        <c:majorGridlines>
+          <c:spPr>
+            <a:ln w="9525" cap="flat" cmpd="sng" algn="ctr">
+              <a:solidFill>
+                <a:schemeClr val="tx1">
+                  <a:lumMod val="15000"/>
+                  <a:lumOff val="85000"/>
+                </a:schemeClr>
+              </a:solidFill>
+              <a:round/>
+            </a:ln>
+            <a:effectLst/>
+          </c:spPr>
+        </c:majorGridlines>
+        <c:numFmt formatCode="General" sourceLinked="1"/>
+        <c:majorTickMark val="none"/>
+        <c:minorTickMark val="none"/>
+        <c:tickLblPos val="nextTo"/>
+        <c:spPr>
+          <a:noFill/>
+          <a:ln>
+            <a:noFill/>
+          </a:ln>
+          <a:effectLst/>
+        </c:spPr>
+        <c:txPr>
+          <a:bodyPr rot="-60000000" spcFirstLastPara="1" vertOverflow="ellipsis" vert="horz" wrap="square" anchor="ctr" anchorCtr="1"/>
+          <a:lstStyle/>
+          <a:p>
+            <a:pPr>
+              <a:defRPr sz="1197" b="0" i="0" u="none" strike="noStrike" kern="1200" baseline="0">
+                <a:solidFill>
+                  <a:schemeClr val="tx1">
+                    <a:lumMod val="65000"/>
+                    <a:lumOff val="35000"/>
+                  </a:schemeClr>
+                </a:solidFill>
+                <a:latin typeface="+mn-lt"/>
+                <a:ea typeface="+mn-ea"/>
+                <a:cs typeface="+mn-cs"/>
+              </a:defRPr>
+            </a:pPr>
+            <a:endParaRPr lang="ru-RU"/>
+          </a:p>
+        </c:txPr>
+        <c:crossAx val="247116240"/>
+        <c:crosses val="autoZero"/>
+        <c:crossBetween val="between"/>
+      </c:valAx>
+      <c:spPr>
+        <a:noFill/>
+        <a:ln>
+          <a:noFill/>
+        </a:ln>
+        <a:effectLst/>
+      </c:spPr>
+    </c:plotArea>
+    <c:legend>
+      <c:legendPos val="b"/>
+      <c:layout/>
+      <c:overlay val="0"/>
+      <c:spPr>
+        <a:noFill/>
+        <a:ln>
+          <a:noFill/>
+        </a:ln>
+        <a:effectLst/>
+      </c:spPr>
+      <c:txPr>
+        <a:bodyPr rot="0" spcFirstLastPara="1" vertOverflow="ellipsis" vert="horz" wrap="square" anchor="ctr" anchorCtr="1"/>
+        <a:lstStyle/>
+        <a:p>
+          <a:pPr>
+            <a:defRPr sz="1197" b="0" i="0" u="none" strike="noStrike" kern="1200" baseline="0">
+              <a:solidFill>
+                <a:schemeClr val="tx1">
+                  <a:lumMod val="65000"/>
+                  <a:lumOff val="35000"/>
+                </a:schemeClr>
+              </a:solidFill>
+              <a:latin typeface="+mn-lt"/>
+              <a:ea typeface="+mn-ea"/>
+              <a:cs typeface="+mn-cs"/>
+            </a:defRPr>
+          </a:pPr>
+          <a:endParaRPr lang="ru-RU"/>
+        </a:p>
+      </c:txPr>
+    </c:legend>
+    <c:plotVisOnly val="1"/>
+    <c:dispBlanksAs val="gap"/>
+    <c:showDLblsOverMax val="0"/>
+  </c:chart>
+  <c:spPr>
+    <a:noFill/>
+    <a:ln>
+      <a:noFill/>
+    </a:ln>
+    <a:effectLst/>
+  </c:spPr>
+  <c:txPr>
+    <a:bodyPr/>
+    <a:lstStyle/>
+    <a:p>
+      <a:pPr>
+        <a:defRPr/>
+      </a:pPr>
+      <a:endParaRPr lang="ru-RU"/>
+    </a:p>
+  </c:txPr>
+  <c:externalData r:id="rId3">
+    <c:autoUpdate val="0"/>
+  </c:externalData>
+</c:chartSpace>
+</file>
+
+<file path=ppt/charts/chart2.xml><?xml version="1.0" encoding="utf-8"?>
+<c:chartSpace xmlns:c="http://schemas.openxmlformats.org/drawingml/2006/chart" xmlns:a="http://schemas.openxmlformats.org/drawingml/2006/main" xmlns:r="http://schemas.openxmlformats.org/officeDocument/2006/relationships" xmlns:c16r2="http://schemas.microsoft.com/office/drawing/2015/06/chart">
+  <c:date1904 val="0"/>
+  <c:lang val="ru-RU"/>
+  <c:roundedCorners val="0"/>
+  <mc:AlternateContent xmlns:mc="http://schemas.openxmlformats.org/markup-compatibility/2006">
+    <mc:Choice xmlns:c14="http://schemas.microsoft.com/office/drawing/2007/8/2/chart" Requires="c14">
+      <c14:style val="102"/>
+    </mc:Choice>
+    <mc:Fallback>
+      <c:style val="2"/>
+    </mc:Fallback>
+  </mc:AlternateContent>
+  <c:chart>
+    <c:title>
+      <c:layout/>
+      <c:overlay val="0"/>
+      <c:spPr>
+        <a:noFill/>
+        <a:ln>
+          <a:noFill/>
+        </a:ln>
+        <a:effectLst/>
+      </c:spPr>
+      <c:txPr>
+        <a:bodyPr rot="0" spcFirstLastPara="1" vertOverflow="ellipsis" vert="horz" wrap="square" anchor="ctr" anchorCtr="1"/>
+        <a:lstStyle/>
+        <a:p>
+          <a:pPr>
+            <a:defRPr sz="2200" b="0" i="0" u="none" strike="noStrike" kern="1200" cap="none" spc="0" normalizeH="0" baseline="0">
+              <a:solidFill>
+                <a:schemeClr val="tx1">
+                  <a:lumMod val="65000"/>
+                  <a:lumOff val="35000"/>
+                </a:schemeClr>
+              </a:solidFill>
+              <a:latin typeface="+mj-lt"/>
+              <a:ea typeface="+mj-ea"/>
+              <a:cs typeface="+mj-cs"/>
+            </a:defRPr>
+          </a:pPr>
+          <a:endParaRPr lang="ru-RU"/>
+        </a:p>
+      </c:txPr>
+    </c:title>
+    <c:autoTitleDeleted val="0"/>
+    <c:plotArea>
+      <c:layout/>
+      <c:lineChart>
+        <c:grouping val="standard"/>
+        <c:varyColors val="0"/>
+        <c:ser>
+          <c:idx val="0"/>
+          <c:order val="0"/>
+          <c:tx>
+            <c:strRef>
+              <c:f>Лист1!$B$1</c:f>
+              <c:strCache>
+                <c:ptCount val="1"/>
+                <c:pt idx="0">
+                  <c:v>Жадный алгоритм</c:v>
+                </c:pt>
+              </c:strCache>
+            </c:strRef>
+          </c:tx>
+          <c:spPr>
+            <a:ln w="38100" cap="rnd">
+              <a:solidFill>
+                <a:schemeClr val="accent1"/>
+              </a:solidFill>
+              <a:round/>
+            </a:ln>
+            <a:effectLst/>
+          </c:spPr>
+          <c:marker>
+            <c:symbol val="none"/>
+          </c:marker>
+          <c:dLbls>
+            <c:spPr>
+              <a:noFill/>
+              <a:ln>
+                <a:noFill/>
+              </a:ln>
+              <a:effectLst/>
+            </c:spPr>
+            <c:txPr>
+              <a:bodyPr rot="0" spcFirstLastPara="1" vertOverflow="ellipsis" vert="horz" wrap="square" lIns="38100" tIns="19050" rIns="38100" bIns="19050" anchor="ctr" anchorCtr="1">
+                <a:spAutoFit/>
+              </a:bodyPr>
+              <a:lstStyle/>
+              <a:p>
+                <a:pPr>
+                  <a:defRPr sz="1197" b="0" i="0" u="none" strike="noStrike" kern="1200" baseline="0">
+                    <a:solidFill>
+                      <a:schemeClr val="tx1">
+                        <a:lumMod val="75000"/>
+                        <a:lumOff val="25000"/>
+                      </a:schemeClr>
+                    </a:solidFill>
+                    <a:latin typeface="+mn-lt"/>
+                    <a:ea typeface="+mn-ea"/>
+                    <a:cs typeface="+mn-cs"/>
+                  </a:defRPr>
+                </a:pPr>
+                <a:endParaRPr lang="ru-RU"/>
+              </a:p>
+            </c:txPr>
+            <c:dLblPos val="ctr"/>
+            <c:showLegendKey val="0"/>
+            <c:showVal val="1"/>
+            <c:showCatName val="0"/>
+            <c:showSerName val="0"/>
+            <c:showPercent val="0"/>
+            <c:showBubbleSize val="0"/>
+            <c:showLeaderLines val="0"/>
+            <c:extLst>
+              <c:ext xmlns:c15="http://schemas.microsoft.com/office/drawing/2012/chart" uri="{CE6537A1-D6FC-4f65-9D91-7224C49458BB}">
+                <c15:layout/>
+                <c15:showLeaderLines val="1"/>
+                <c15:leaderLines>
+                  <c:spPr>
+                    <a:ln w="9525">
+                      <a:solidFill>
+                        <a:schemeClr val="tx1">
+                          <a:lumMod val="35000"/>
+                          <a:lumOff val="65000"/>
+                        </a:schemeClr>
+                      </a:solidFill>
+                    </a:ln>
+                    <a:effectLst/>
+                  </c:spPr>
+                </c15:leaderLines>
+              </c:ext>
+            </c:extLst>
+          </c:dLbls>
+          <c:cat>
+            <c:strRef>
+              <c:f>Лист1!$A$2:$A$5</c:f>
+              <c:strCache>
+                <c:ptCount val="4"/>
+                <c:pt idx="0">
+                  <c:v>7х11</c:v>
+                </c:pt>
+                <c:pt idx="1">
+                  <c:v>12х21</c:v>
+                </c:pt>
+                <c:pt idx="2">
+                  <c:v>13х21</c:v>
+                </c:pt>
+                <c:pt idx="3">
+                  <c:v>15х21</c:v>
+                </c:pt>
+              </c:strCache>
+            </c:strRef>
+          </c:cat>
+          <c:val>
+            <c:numRef>
+              <c:f>Лист1!$B$2:$B$5</c:f>
+              <c:numCache>
+                <c:formatCode>General</c:formatCode>
+                <c:ptCount val="4"/>
+                <c:pt idx="0">
+                  <c:v>5398</c:v>
+                </c:pt>
+                <c:pt idx="1">
+                  <c:v>5441</c:v>
+                </c:pt>
+                <c:pt idx="2">
+                  <c:v>5518</c:v>
+                </c:pt>
+                <c:pt idx="3">
+                  <c:v>5287</c:v>
+                </c:pt>
+              </c:numCache>
+            </c:numRef>
+          </c:val>
+          <c:smooth val="0"/>
+          <c:extLst>
+            <c:ext xmlns:c16="http://schemas.microsoft.com/office/drawing/2014/chart" uri="{C3380CC4-5D6E-409C-BE32-E72D297353CC}">
+              <c16:uniqueId val="{00000000-24F1-4780-90A3-65248C6A0A65}"/>
+            </c:ext>
+          </c:extLst>
+        </c:ser>
+        <c:ser>
+          <c:idx val="1"/>
+          <c:order val="1"/>
+          <c:tx>
+            <c:strRef>
+              <c:f>Лист1!$C$1</c:f>
+              <c:strCache>
+                <c:ptCount val="1"/>
+                <c:pt idx="0">
+                  <c:v>Генетический алгоритм</c:v>
+                </c:pt>
+              </c:strCache>
+            </c:strRef>
+          </c:tx>
+          <c:spPr>
+            <a:ln w="38100" cap="rnd">
+              <a:solidFill>
+                <a:schemeClr val="accent2"/>
+              </a:solidFill>
+              <a:round/>
+            </a:ln>
+            <a:effectLst/>
+          </c:spPr>
+          <c:marker>
+            <c:symbol val="none"/>
+          </c:marker>
+          <c:dLbls>
+            <c:spPr>
+              <a:noFill/>
+              <a:ln>
+                <a:noFill/>
+              </a:ln>
+              <a:effectLst/>
+            </c:spPr>
+            <c:txPr>
+              <a:bodyPr rot="0" spcFirstLastPara="1" vertOverflow="ellipsis" vert="horz" wrap="square" lIns="38100" tIns="19050" rIns="38100" bIns="19050" anchor="ctr" anchorCtr="1">
+                <a:spAutoFit/>
+              </a:bodyPr>
+              <a:lstStyle/>
+              <a:p>
+                <a:pPr>
+                  <a:defRPr sz="1197" b="0" i="0" u="none" strike="noStrike" kern="1200" baseline="0">
+                    <a:solidFill>
+                      <a:schemeClr val="tx1">
+                        <a:lumMod val="75000"/>
+                        <a:lumOff val="25000"/>
+                      </a:schemeClr>
+                    </a:solidFill>
+                    <a:latin typeface="+mn-lt"/>
+                    <a:ea typeface="+mn-ea"/>
+                    <a:cs typeface="+mn-cs"/>
+                  </a:defRPr>
+                </a:pPr>
+                <a:endParaRPr lang="ru-RU"/>
+              </a:p>
+            </c:txPr>
+            <c:dLblPos val="ctr"/>
+            <c:showLegendKey val="0"/>
+            <c:showVal val="1"/>
+            <c:showCatName val="0"/>
+            <c:showSerName val="0"/>
+            <c:showPercent val="0"/>
+            <c:showBubbleSize val="0"/>
+            <c:showLeaderLines val="0"/>
+            <c:extLst>
+              <c:ext xmlns:c15="http://schemas.microsoft.com/office/drawing/2012/chart" uri="{CE6537A1-D6FC-4f65-9D91-7224C49458BB}">
+                <c15:layout/>
+                <c15:showLeaderLines val="1"/>
+                <c15:leaderLines>
+                  <c:spPr>
+                    <a:ln w="9525">
+                      <a:solidFill>
+                        <a:schemeClr val="tx1">
+                          <a:lumMod val="35000"/>
+                          <a:lumOff val="65000"/>
+                        </a:schemeClr>
+                      </a:solidFill>
+                    </a:ln>
+                    <a:effectLst/>
+                  </c:spPr>
+                </c15:leaderLines>
+              </c:ext>
+            </c:extLst>
+          </c:dLbls>
+          <c:cat>
+            <c:strRef>
+              <c:f>Лист1!$A$2:$A$5</c:f>
+              <c:strCache>
+                <c:ptCount val="4"/>
+                <c:pt idx="0">
+                  <c:v>7х11</c:v>
+                </c:pt>
+                <c:pt idx="1">
+                  <c:v>12х21</c:v>
+                </c:pt>
+                <c:pt idx="2">
+                  <c:v>13х21</c:v>
+                </c:pt>
+                <c:pt idx="3">
+                  <c:v>15х21</c:v>
+                </c:pt>
+              </c:strCache>
+            </c:strRef>
+          </c:cat>
+          <c:val>
+            <c:numRef>
+              <c:f>Лист1!$C$2:$C$5</c:f>
+              <c:numCache>
+                <c:formatCode>General</c:formatCode>
+                <c:ptCount val="4"/>
+                <c:pt idx="0">
+                  <c:v>5676</c:v>
+                </c:pt>
+                <c:pt idx="1">
+                  <c:v>5542</c:v>
+                </c:pt>
+                <c:pt idx="2">
+                  <c:v>5637</c:v>
+                </c:pt>
+                <c:pt idx="3">
+                  <c:v>5401</c:v>
+                </c:pt>
+              </c:numCache>
+            </c:numRef>
+          </c:val>
+          <c:smooth val="0"/>
+          <c:extLst>
+            <c:ext xmlns:c16="http://schemas.microsoft.com/office/drawing/2014/chart" uri="{C3380CC4-5D6E-409C-BE32-E72D297353CC}">
+              <c16:uniqueId val="{00000001-24F1-4780-90A3-65248C6A0A65}"/>
+            </c:ext>
+          </c:extLst>
+        </c:ser>
+        <c:ser>
+          <c:idx val="2"/>
+          <c:order val="2"/>
+          <c:tx>
+            <c:strRef>
+              <c:f>Лист1!$D$1</c:f>
+              <c:strCache>
+                <c:ptCount val="1"/>
+                <c:pt idx="0">
+                  <c:v>Динамическое программирование (оптимальное решение)</c:v>
+                </c:pt>
+              </c:strCache>
+            </c:strRef>
+          </c:tx>
+          <c:spPr>
+            <a:ln w="38100" cap="rnd">
+              <a:solidFill>
+                <a:schemeClr val="accent3"/>
+              </a:solidFill>
+              <a:round/>
+            </a:ln>
+            <a:effectLst/>
+          </c:spPr>
+          <c:marker>
+            <c:symbol val="none"/>
+          </c:marker>
+          <c:dLbls>
+            <c:spPr>
+              <a:noFill/>
+              <a:ln>
+                <a:noFill/>
+              </a:ln>
+              <a:effectLst/>
+            </c:spPr>
+            <c:txPr>
+              <a:bodyPr rot="0" spcFirstLastPara="1" vertOverflow="ellipsis" vert="horz" wrap="square" lIns="38100" tIns="19050" rIns="38100" bIns="19050" anchor="ctr" anchorCtr="1">
+                <a:spAutoFit/>
+              </a:bodyPr>
+              <a:lstStyle/>
+              <a:p>
+                <a:pPr>
+                  <a:defRPr sz="1197" b="0" i="0" u="none" strike="noStrike" kern="1200" baseline="0">
+                    <a:solidFill>
+                      <a:schemeClr val="tx1">
+                        <a:lumMod val="75000"/>
+                        <a:lumOff val="25000"/>
+                      </a:schemeClr>
+                    </a:solidFill>
+                    <a:latin typeface="+mn-lt"/>
+                    <a:ea typeface="+mn-ea"/>
+                    <a:cs typeface="+mn-cs"/>
+                  </a:defRPr>
+                </a:pPr>
+                <a:endParaRPr lang="ru-RU"/>
+              </a:p>
+            </c:txPr>
+            <c:dLblPos val="ctr"/>
+            <c:showLegendKey val="0"/>
+            <c:showVal val="1"/>
+            <c:showCatName val="0"/>
+            <c:showSerName val="0"/>
+            <c:showPercent val="0"/>
+            <c:showBubbleSize val="0"/>
+            <c:showLeaderLines val="0"/>
+            <c:extLst>
+              <c:ext xmlns:c15="http://schemas.microsoft.com/office/drawing/2012/chart" uri="{CE6537A1-D6FC-4f65-9D91-7224C49458BB}">
+                <c15:layout/>
+                <c15:showLeaderLines val="1"/>
+                <c15:leaderLines>
+                  <c:spPr>
+                    <a:ln w="9525">
+                      <a:solidFill>
+                        <a:schemeClr val="tx1">
+                          <a:lumMod val="35000"/>
+                          <a:lumOff val="65000"/>
+                        </a:schemeClr>
+                      </a:solidFill>
+                    </a:ln>
+                    <a:effectLst/>
+                  </c:spPr>
+                </c15:leaderLines>
+              </c:ext>
+            </c:extLst>
+          </c:dLbls>
+          <c:cat>
+            <c:strRef>
+              <c:f>Лист1!$A$2:$A$5</c:f>
+              <c:strCache>
+                <c:ptCount val="4"/>
+                <c:pt idx="0">
+                  <c:v>7х11</c:v>
+                </c:pt>
+                <c:pt idx="1">
+                  <c:v>12х21</c:v>
+                </c:pt>
+                <c:pt idx="2">
+                  <c:v>13х21</c:v>
+                </c:pt>
+                <c:pt idx="3">
+                  <c:v>15х21</c:v>
+                </c:pt>
+              </c:strCache>
+            </c:strRef>
+          </c:cat>
+          <c:val>
+            <c:numRef>
+              <c:f>Лист1!$D$2:$D$5</c:f>
+              <c:numCache>
+                <c:formatCode>General</c:formatCode>
+                <c:ptCount val="4"/>
+                <c:pt idx="0">
+                  <c:v>5754</c:v>
+                </c:pt>
+                <c:pt idx="1">
+                  <c:v>5806</c:v>
+                </c:pt>
+                <c:pt idx="2">
+                  <c:v>5832</c:v>
+                </c:pt>
+                <c:pt idx="3">
+                  <c:v>5636</c:v>
+                </c:pt>
+              </c:numCache>
+            </c:numRef>
+          </c:val>
+          <c:smooth val="0"/>
+          <c:extLst>
+            <c:ext xmlns:c16="http://schemas.microsoft.com/office/drawing/2014/chart" uri="{C3380CC4-5D6E-409C-BE32-E72D297353CC}">
+              <c16:uniqueId val="{00000002-24F1-4780-90A3-65248C6A0A65}"/>
+            </c:ext>
+          </c:extLst>
+        </c:ser>
+        <c:dLbls>
+          <c:dLblPos val="ctr"/>
+          <c:showLegendKey val="0"/>
+          <c:showVal val="1"/>
+          <c:showCatName val="0"/>
+          <c:showSerName val="0"/>
+          <c:showPercent val="0"/>
+          <c:showBubbleSize val="0"/>
+        </c:dLbls>
+        <c:smooth val="0"/>
+        <c:axId val="247117488"/>
+        <c:axId val="338942928"/>
+      </c:lineChart>
+      <c:catAx>
+        <c:axId val="247117488"/>
+        <c:scaling>
+          <c:orientation val="minMax"/>
+        </c:scaling>
+        <c:delete val="0"/>
+        <c:axPos val="b"/>
+        <c:numFmt formatCode="General" sourceLinked="1"/>
+        <c:majorTickMark val="none"/>
+        <c:minorTickMark val="none"/>
+        <c:tickLblPos val="nextTo"/>
+        <c:spPr>
+          <a:noFill/>
+          <a:ln w="9525" cap="flat" cmpd="sng" algn="ctr">
+            <a:solidFill>
+              <a:schemeClr val="tx1">
+                <a:lumMod val="15000"/>
+                <a:lumOff val="85000"/>
+              </a:schemeClr>
+            </a:solidFill>
+            <a:round/>
+          </a:ln>
+          <a:effectLst/>
+        </c:spPr>
+        <c:txPr>
+          <a:bodyPr rot="-60000000" spcFirstLastPara="1" vertOverflow="ellipsis" vert="horz" wrap="square" anchor="ctr" anchorCtr="1"/>
+          <a:lstStyle/>
+          <a:p>
+            <a:pPr>
+              <a:defRPr sz="1197" b="0" i="0" u="none" strike="noStrike" kern="1200" cap="none" spc="0" normalizeH="0" baseline="0">
+                <a:solidFill>
+                  <a:schemeClr val="tx1">
+                    <a:lumMod val="65000"/>
+                    <a:lumOff val="35000"/>
+                  </a:schemeClr>
+                </a:solidFill>
+                <a:latin typeface="+mn-lt"/>
+                <a:ea typeface="+mn-ea"/>
+                <a:cs typeface="+mn-cs"/>
+              </a:defRPr>
+            </a:pPr>
+            <a:endParaRPr lang="ru-RU"/>
+          </a:p>
+        </c:txPr>
+        <c:crossAx val="338942928"/>
+        <c:crosses val="autoZero"/>
+        <c:auto val="1"/>
+        <c:lblAlgn val="ctr"/>
+        <c:lblOffset val="100"/>
+        <c:noMultiLvlLbl val="0"/>
+      </c:catAx>
+      <c:valAx>
+        <c:axId val="338942928"/>
+        <c:scaling>
+          <c:orientation val="minMax"/>
+        </c:scaling>
+        <c:delete val="0"/>
+        <c:axPos val="l"/>
+        <c:majorGridlines>
+          <c:spPr>
+            <a:ln w="9525" cap="flat" cmpd="sng" algn="ctr">
+              <a:solidFill>
+                <a:schemeClr val="tx1">
+                  <a:lumMod val="15000"/>
+                  <a:lumOff val="85000"/>
+                </a:schemeClr>
+              </a:solidFill>
+              <a:round/>
+            </a:ln>
+            <a:effectLst/>
+          </c:spPr>
+        </c:majorGridlines>
+        <c:minorGridlines>
+          <c:spPr>
+            <a:ln w="9525" cap="flat" cmpd="sng" algn="ctr">
+              <a:solidFill>
+                <a:schemeClr val="tx1">
+                  <a:lumMod val="5000"/>
+                  <a:lumOff val="95000"/>
+                </a:schemeClr>
+              </a:solidFill>
+              <a:round/>
+            </a:ln>
+            <a:effectLst/>
+          </c:spPr>
+        </c:minorGridlines>
+        <c:numFmt formatCode="General" sourceLinked="1"/>
+        <c:majorTickMark val="none"/>
+        <c:minorTickMark val="none"/>
+        <c:tickLblPos val="nextTo"/>
+        <c:spPr>
+          <a:noFill/>
+          <a:ln>
+            <a:noFill/>
+          </a:ln>
+          <a:effectLst/>
+        </c:spPr>
+        <c:txPr>
+          <a:bodyPr rot="-60000000" spcFirstLastPara="1" vertOverflow="ellipsis" vert="horz" wrap="square" anchor="ctr" anchorCtr="1"/>
+          <a:lstStyle/>
+          <a:p>
+            <a:pPr>
+              <a:defRPr sz="1197" b="0" i="0" u="none" strike="noStrike" kern="1200" baseline="0">
+                <a:solidFill>
+                  <a:schemeClr val="tx1">
+                    <a:lumMod val="65000"/>
+                    <a:lumOff val="35000"/>
+                  </a:schemeClr>
+                </a:solidFill>
+                <a:latin typeface="+mn-lt"/>
+                <a:ea typeface="+mn-ea"/>
+                <a:cs typeface="+mn-cs"/>
+              </a:defRPr>
+            </a:pPr>
+            <a:endParaRPr lang="ru-RU"/>
+          </a:p>
+        </c:txPr>
+        <c:crossAx val="247117488"/>
+        <c:crosses val="autoZero"/>
+        <c:crossBetween val="between"/>
+      </c:valAx>
+      <c:spPr>
+        <a:noFill/>
+        <a:ln>
+          <a:noFill/>
+        </a:ln>
+        <a:effectLst/>
+      </c:spPr>
+    </c:plotArea>
+    <c:legend>
+      <c:legendPos val="t"/>
+      <c:layout/>
+      <c:overlay val="0"/>
+      <c:spPr>
+        <a:noFill/>
+        <a:ln>
+          <a:noFill/>
+        </a:ln>
+        <a:effectLst/>
+      </c:spPr>
+      <c:txPr>
+        <a:bodyPr rot="0" spcFirstLastPara="1" vertOverflow="ellipsis" vert="horz" wrap="square" anchor="ctr" anchorCtr="1"/>
+        <a:lstStyle/>
+        <a:p>
+          <a:pPr>
+            <a:defRPr sz="1197" b="0" i="0" u="none" strike="noStrike" kern="1200" baseline="0">
+              <a:solidFill>
+                <a:schemeClr val="tx1">
+                  <a:lumMod val="65000"/>
+                  <a:lumOff val="35000"/>
+                </a:schemeClr>
+              </a:solidFill>
+              <a:latin typeface="+mn-lt"/>
+              <a:ea typeface="+mn-ea"/>
+              <a:cs typeface="+mn-cs"/>
+            </a:defRPr>
+          </a:pPr>
+          <a:endParaRPr lang="ru-RU"/>
+        </a:p>
+      </c:txPr>
+    </c:legend>
+    <c:plotVisOnly val="1"/>
+    <c:dispBlanksAs val="zero"/>
+    <c:showDLblsOverMax val="0"/>
+  </c:chart>
+  <c:spPr>
+    <a:noFill/>
+    <a:ln>
+      <a:noFill/>
+    </a:ln>
+    <a:effectLst/>
+  </c:spPr>
+  <c:txPr>
+    <a:bodyPr/>
+    <a:lstStyle/>
+    <a:p>
+      <a:pPr>
+        <a:defRPr/>
+      </a:pPr>
+      <a:endParaRPr lang="ru-RU"/>
+    </a:p>
+  </c:txPr>
+  <c:externalData r:id="rId3">
+    <c:autoUpdate val="0"/>
+  </c:externalData>
+</c:chartSpace>
+</file>
+
+<file path=ppt/charts/colors1.xml><?xml version="1.0" encoding="utf-8"?>
+<cs:colorStyle xmlns:cs="http://schemas.microsoft.com/office/drawing/2012/chartStyle" xmlns:a="http://schemas.openxmlformats.org/drawingml/2006/main" meth="cycle" id="10">
+  <a:schemeClr val="accent1"/>
+  <a:schemeClr val="accent2"/>
+  <a:schemeClr val="accent3"/>
+  <a:schemeClr val="accent4"/>
+  <a:schemeClr val="accent5"/>
+  <a:schemeClr val="accent6"/>
+  <cs:variation/>
+  <cs:variation>
+    <a:lumMod val="60000"/>
+  </cs:variation>
+  <cs:variation>
+    <a:lumMod val="80000"/>
+    <a:lumOff val="20000"/>
+  </cs:variation>
+  <cs:variation>
+    <a:lumMod val="80000"/>
+  </cs:variation>
+  <cs:variation>
+    <a:lumMod val="60000"/>
+    <a:lumOff val="40000"/>
+  </cs:variation>
+  <cs:variation>
+    <a:lumMod val="50000"/>
+  </cs:variation>
+  <cs:variation>
+    <a:lumMod val="70000"/>
+    <a:lumOff val="30000"/>
+  </cs:variation>
+  <cs:variation>
+    <a:lumMod val="70000"/>
+  </cs:variation>
+  <cs:variation>
+    <a:lumMod val="50000"/>
+    <a:lumOff val="50000"/>
+  </cs:variation>
+</cs:colorStyle>
+</file>
+
+<file path=ppt/charts/colors2.xml><?xml version="1.0" encoding="utf-8"?>
+<cs:colorStyle xmlns:cs="http://schemas.microsoft.com/office/drawing/2012/chartStyle" xmlns:a="http://schemas.openxmlformats.org/drawingml/2006/main" meth="cycle" id="10">
+  <a:schemeClr val="accent1"/>
+  <a:schemeClr val="accent2"/>
+  <a:schemeClr val="accent3"/>
+  <a:schemeClr val="accent4"/>
+  <a:schemeClr val="accent5"/>
+  <a:schemeClr val="accent6"/>
+  <cs:variation/>
+  <cs:variation>
+    <a:lumMod val="60000"/>
+  </cs:variation>
+  <cs:variation>
+    <a:lumMod val="80000"/>
+    <a:lumOff val="20000"/>
+  </cs:variation>
+  <cs:variation>
+    <a:lumMod val="80000"/>
+  </cs:variation>
+  <cs:variation>
+    <a:lumMod val="60000"/>
+    <a:lumOff val="40000"/>
+  </cs:variation>
+  <cs:variation>
+    <a:lumMod val="50000"/>
+  </cs:variation>
+  <cs:variation>
+    <a:lumMod val="70000"/>
+    <a:lumOff val="30000"/>
+  </cs:variation>
+  <cs:variation>
+    <a:lumMod val="70000"/>
+  </cs:variation>
+  <cs:variation>
+    <a:lumMod val="50000"/>
+    <a:lumOff val="50000"/>
+  </cs:variation>
+</cs:colorStyle>
+</file>
+
+<file path=ppt/charts/style1.xml><?xml version="1.0" encoding="utf-8"?>
+<cs:chartStyle xmlns:cs="http://schemas.microsoft.com/office/drawing/2012/chartStyle" xmlns:a="http://schemas.openxmlformats.org/drawingml/2006/main" id="227">
+  <cs:axisTitle>
+    <cs:lnRef idx="0"/>
+    <cs:fillRef idx="0"/>
+    <cs:effectRef idx="0"/>
+    <cs:fontRef idx="minor">
+      <a:schemeClr val="tx1">
+        <a:lumMod val="65000"/>
+        <a:lumOff val="35000"/>
+      </a:schemeClr>
+    </cs:fontRef>
+    <cs:defRPr sz="1330" kern="1200"/>
+  </cs:axisTitle>
+  <cs:categoryAxis>
+    <cs:lnRef idx="0"/>
+    <cs:fillRef idx="0"/>
+    <cs:effectRef idx="0"/>
+    <cs:fontRef idx="minor">
+      <a:schemeClr val="tx1">
+        <a:lumMod val="65000"/>
+        <a:lumOff val="35000"/>
+      </a:schemeClr>
+    </cs:fontRef>
+    <cs:spPr>
+      <a:ln w="9525" cap="flat" cmpd="sng" algn="ctr">
+        <a:solidFill>
+          <a:schemeClr val="tx1">
+            <a:lumMod val="15000"/>
+            <a:lumOff val="85000"/>
+          </a:schemeClr>
+        </a:solidFill>
+        <a:round/>
+      </a:ln>
+    </cs:spPr>
+    <cs:defRPr sz="1197" kern="1200"/>
+  </cs:categoryAxis>
+  <cs:chartArea mods="allowNoFillOverride allowNoLineOverride">
+    <cs:lnRef idx="0"/>
+    <cs:fillRef idx="0"/>
+    <cs:effectRef idx="0"/>
+    <cs:fontRef idx="minor">
+      <a:schemeClr val="tx1"/>
+    </cs:fontRef>
+    <cs:spPr>
+      <a:solidFill>
+        <a:schemeClr val="bg1"/>
+      </a:solidFill>
+      <a:ln w="9525" cap="flat" cmpd="sng" algn="ctr">
+        <a:solidFill>
+          <a:schemeClr val="tx1">
+            <a:lumMod val="15000"/>
+            <a:lumOff val="85000"/>
+          </a:schemeClr>
+        </a:solidFill>
+        <a:round/>
+      </a:ln>
+    </cs:spPr>
+    <cs:defRPr sz="1330" kern="1200"/>
+  </cs:chartArea>
+  <cs:dataLabel>
+    <cs:lnRef idx="0"/>
+    <cs:fillRef idx="0"/>
+    <cs:effectRef idx="0"/>
+    <cs:fontRef idx="minor">
+      <a:schemeClr val="tx1">
+        <a:lumMod val="75000"/>
+        <a:lumOff val="25000"/>
+      </a:schemeClr>
+    </cs:fontRef>
+    <cs:defRPr sz="1197" kern="1200"/>
+  </cs:dataLabel>
+  <cs:dataLabelCallout>
+    <cs:lnRef idx="0"/>
+    <cs:fillRef idx="0"/>
+    <cs:effectRef idx="0"/>
+    <cs:fontRef idx="minor">
+      <a:schemeClr val="dk1">
+        <a:lumMod val="65000"/>
+        <a:lumOff val="35000"/>
+      </a:schemeClr>
+    </cs:fontRef>
+    <cs:spPr>
+      <a:solidFill>
+        <a:schemeClr val="lt1"/>
+      </a:solidFill>
+      <a:ln>
+        <a:solidFill>
+          <a:schemeClr val="dk1">
+            <a:lumMod val="25000"/>
+            <a:lumOff val="75000"/>
+          </a:schemeClr>
+        </a:solidFill>
+      </a:ln>
+    </cs:spPr>
+    <cs:defRPr sz="1197" kern="1200"/>
+    <cs:bodyPr rot="0" spcFirstLastPara="1" vertOverflow="clip" horzOverflow="clip" vert="horz" wrap="square" lIns="36576" tIns="18288" rIns="36576" bIns="18288" anchor="ctr" anchorCtr="1">
+      <a:spAutoFit/>
+    </cs:bodyPr>
+  </cs:dataLabelCallout>
+  <cs:dataPoint>
+    <cs:lnRef idx="0"/>
+    <cs:fillRef idx="1">
+      <cs:styleClr val="auto"/>
+    </cs:fillRef>
+    <cs:effectRef idx="0"/>
+    <cs:fontRef idx="minor">
+      <a:schemeClr val="tx1"/>
+    </cs:fontRef>
+    <cs:spPr>
+      <a:solidFill>
+        <a:schemeClr val="phClr"/>
+      </a:solidFill>
+    </cs:spPr>
+  </cs:dataPoint>
+  <cs:dataPoint3D>
+    <cs:lnRef idx="0"/>
+    <cs:fillRef idx="1">
+      <cs:styleClr val="auto"/>
+    </cs:fillRef>
+    <cs:effectRef idx="0"/>
+    <cs:fontRef idx="minor">
+      <a:schemeClr val="tx1"/>
+    </cs:fontRef>
+    <cs:spPr>
+      <a:solidFill>
+        <a:schemeClr val="phClr"/>
+      </a:solidFill>
+    </cs:spPr>
+  </cs:dataPoint3D>
+  <cs:dataPointLine>
+    <cs:lnRef idx="0">
+      <cs:styleClr val="auto"/>
+    </cs:lnRef>
+    <cs:fillRef idx="1"/>
+    <cs:effectRef idx="0"/>
+    <cs:fontRef idx="minor">
+      <a:schemeClr val="tx1"/>
+    </cs:fontRef>
+    <cs:spPr>
+      <a:ln w="28575" cap="rnd">
+        <a:solidFill>
+          <a:schemeClr val="phClr"/>
+        </a:solidFill>
+        <a:round/>
+      </a:ln>
+    </cs:spPr>
+  </cs:dataPointLine>
+  <cs:dataPointMarker>
+    <cs:lnRef idx="0">
+      <cs:styleClr val="auto"/>
+    </cs:lnRef>
+    <cs:fillRef idx="1">
+      <cs:styleClr val="auto"/>
+    </cs:fillRef>
+    <cs:effectRef idx="0"/>
+    <cs:fontRef idx="minor">
+      <a:schemeClr val="tx1"/>
+    </cs:fontRef>
+    <cs:spPr>
+      <a:solidFill>
+        <a:schemeClr val="phClr"/>
+      </a:solidFill>
+      <a:ln w="9525">
+        <a:solidFill>
+          <a:schemeClr val="phClr"/>
+        </a:solidFill>
+      </a:ln>
+    </cs:spPr>
+  </cs:dataPointMarker>
+  <cs:dataPointMarkerLayout symbol="circle" size="5"/>
+  <cs:dataPointWireframe>
+    <cs:lnRef idx="0">
+      <cs:styleClr val="auto"/>
+    </cs:lnRef>
+    <cs:fillRef idx="1"/>
+    <cs:effectRef idx="0"/>
+    <cs:fontRef idx="minor">
+      <a:schemeClr val="tx1"/>
+    </cs:fontRef>
+    <cs:spPr>
+      <a:ln w="9525" cap="rnd">
+        <a:solidFill>
+          <a:schemeClr val="phClr"/>
+        </a:solidFill>
+        <a:round/>
+      </a:ln>
+    </cs:spPr>
+  </cs:dataPointWireframe>
+  <cs:dataTable>
+    <cs:lnRef idx="0"/>
+    <cs:fillRef idx="0"/>
+    <cs:effectRef idx="0"/>
+    <cs:fontRef idx="minor">
+      <a:schemeClr val="tx1">
+        <a:lumMod val="65000"/>
+        <a:lumOff val="35000"/>
+      </a:schemeClr>
+    </cs:fontRef>
+    <cs:spPr>
+      <a:noFill/>
+      <a:ln w="9525" cap="flat" cmpd="sng" algn="ctr">
+        <a:solidFill>
+          <a:schemeClr val="tx1">
+            <a:lumMod val="15000"/>
+            <a:lumOff val="85000"/>
+          </a:schemeClr>
+        </a:solidFill>
+        <a:round/>
+      </a:ln>
+    </cs:spPr>
+    <cs:defRPr sz="1197" kern="1200"/>
+  </cs:dataTable>
+  <cs:downBar>
+    <cs:lnRef idx="0"/>
+    <cs:fillRef idx="0"/>
+    <cs:effectRef idx="0"/>
+    <cs:fontRef idx="minor">
+      <a:schemeClr val="dk1"/>
+    </cs:fontRef>
+    <cs:spPr>
+      <a:solidFill>
+        <a:schemeClr val="dk1">
+          <a:lumMod val="65000"/>
+          <a:lumOff val="35000"/>
+        </a:schemeClr>
+      </a:solidFill>
+      <a:ln w="9525">
+        <a:solidFill>
+          <a:schemeClr val="tx1">
+            <a:lumMod val="65000"/>
+            <a:lumOff val="35000"/>
+          </a:schemeClr>
+        </a:solidFill>
+      </a:ln>
+    </cs:spPr>
+  </cs:downBar>
+  <cs:dropLine>
+    <cs:lnRef idx="0"/>
+    <cs:fillRef idx="0"/>
+    <cs:effectRef idx="0"/>
+    <cs:fontRef idx="minor">
+      <a:schemeClr val="tx1"/>
+    </cs:fontRef>
+    <cs:spPr>
+      <a:ln w="9525" cap="flat" cmpd="sng" algn="ctr">
+        <a:solidFill>
+          <a:schemeClr val="tx1">
+            <a:lumMod val="35000"/>
+            <a:lumOff val="65000"/>
+          </a:schemeClr>
+        </a:solidFill>
+        <a:round/>
+      </a:ln>
+    </cs:spPr>
+  </cs:dropLine>
+  <cs:errorBar>
+    <cs:lnRef idx="0"/>
+    <cs:fillRef idx="0"/>
+    <cs:effectRef idx="0"/>
+    <cs:fontRef idx="minor">
+      <a:schemeClr val="tx1"/>
+    </cs:fontRef>
+    <cs:spPr>
+      <a:ln w="9525" cap="flat" cmpd="sng" algn="ctr">
+        <a:solidFill>
+          <a:schemeClr val="tx1">
+            <a:lumMod val="65000"/>
+            <a:lumOff val="35000"/>
+          </a:schemeClr>
+        </a:solidFill>
+        <a:round/>
+      </a:ln>
+    </cs:spPr>
+  </cs:errorBar>
+  <cs:floor>
+    <cs:lnRef idx="0"/>
+    <cs:fillRef idx="0"/>
+    <cs:effectRef idx="0"/>
+    <cs:fontRef idx="minor">
+      <a:schemeClr val="tx1"/>
+    </cs:fontRef>
+    <cs:spPr>
+      <a:noFill/>
+      <a:ln>
+        <a:noFill/>
+      </a:ln>
+    </cs:spPr>
+  </cs:floor>
+  <cs:gridlineMajor>
+    <cs:lnRef idx="0"/>
+    <cs:fillRef idx="0"/>
+    <cs:effectRef idx="0"/>
+    <cs:fontRef idx="minor">
+      <a:schemeClr val="tx1"/>
+    </cs:fontRef>
+    <cs:spPr>
+      <a:ln w="9525" cap="flat" cmpd="sng" algn="ctr">
+        <a:solidFill>
+          <a:schemeClr val="tx1">
+            <a:lumMod val="15000"/>
+            <a:lumOff val="85000"/>
+          </a:schemeClr>
+        </a:solidFill>
+        <a:round/>
+      </a:ln>
+    </cs:spPr>
+  </cs:gridlineMajor>
+  <cs:gridlineMinor>
+    <cs:lnRef idx="0"/>
+    <cs:fillRef idx="0"/>
+    <cs:effectRef idx="0"/>
+    <cs:fontRef idx="minor">
+      <a:schemeClr val="tx1"/>
+    </cs:fontRef>
+    <cs:spPr>
+      <a:ln w="9525" cap="flat" cmpd="sng" algn="ctr">
+        <a:solidFill>
+          <a:schemeClr val="tx1">
+            <a:lumMod val="5000"/>
+            <a:lumOff val="95000"/>
+          </a:schemeClr>
+        </a:solidFill>
+        <a:round/>
+      </a:ln>
+    </cs:spPr>
+  </cs:gridlineMinor>
+  <cs:hiLoLine>
+    <cs:lnRef idx="0"/>
+    <cs:fillRef idx="0"/>
+    <cs:effectRef idx="0"/>
+    <cs:fontRef idx="minor">
+      <a:schemeClr val="tx1"/>
+    </cs:fontRef>
+    <cs:spPr>
+      <a:ln w="9525" cap="flat" cmpd="sng" algn="ctr">
+        <a:solidFill>
+          <a:schemeClr val="tx1">
+            <a:lumMod val="75000"/>
+            <a:lumOff val="25000"/>
+          </a:schemeClr>
+        </a:solidFill>
+        <a:round/>
+      </a:ln>
+    </cs:spPr>
+  </cs:hiLoLine>
+  <cs:leaderLine>
+    <cs:lnRef idx="0"/>
+    <cs:fillRef idx="0"/>
+    <cs:effectRef idx="0"/>
+    <cs:fontRef idx="minor">
+      <a:schemeClr val="tx1"/>
+    </cs:fontRef>
+    <cs:spPr>
+      <a:ln w="9525" cap="flat" cmpd="sng" algn="ctr">
+        <a:solidFill>
+          <a:schemeClr val="tx1">
+            <a:lumMod val="35000"/>
+            <a:lumOff val="65000"/>
+          </a:schemeClr>
+        </a:solidFill>
+        <a:round/>
+      </a:ln>
+    </cs:spPr>
+  </cs:leaderLine>
+  <cs:legend>
+    <cs:lnRef idx="0"/>
+    <cs:fillRef idx="0"/>
+    <cs:effectRef idx="0"/>
+    <cs:fontRef idx="minor">
+      <a:schemeClr val="tx1">
+        <a:lumMod val="65000"/>
+        <a:lumOff val="35000"/>
+      </a:schemeClr>
+    </cs:fontRef>
+    <cs:defRPr sz="1197" kern="1200"/>
+  </cs:legend>
+  <cs:plotArea mods="allowNoFillOverride allowNoLineOverride">
+    <cs:lnRef idx="0"/>
+    <cs:fillRef idx="0"/>
+    <cs:effectRef idx="0"/>
+    <cs:fontRef idx="minor">
+      <a:schemeClr val="tx1"/>
+    </cs:fontRef>
+  </cs:plotArea>
+  <cs:plotArea3D mods="allowNoFillOverride allowNoLineOverride">
+    <cs:lnRef idx="0"/>
+    <cs:fillRef idx="0"/>
+    <cs:effectRef idx="0"/>
+    <cs:fontRef idx="minor">
+      <a:schemeClr val="tx1"/>
+    </cs:fontRef>
+  </cs:plotArea3D>
+  <cs:seriesAxis>
+    <cs:lnRef idx="0"/>
+    <cs:fillRef idx="0"/>
+    <cs:effectRef idx="0"/>
+    <cs:fontRef idx="minor">
+      <a:schemeClr val="tx1">
+        <a:lumMod val="65000"/>
+        <a:lumOff val="35000"/>
+      </a:schemeClr>
+    </cs:fontRef>
+    <cs:defRPr sz="1197" kern="1200"/>
+  </cs:seriesAxis>
+  <cs:seriesLine>
+    <cs:lnRef idx="0"/>
+    <cs:fillRef idx="0"/>
+    <cs:effectRef idx="0"/>
+    <cs:fontRef idx="minor">
+      <a:schemeClr val="tx1"/>
+    </cs:fontRef>
+    <cs:spPr>
+      <a:ln w="9525" cap="flat" cmpd="sng" algn="ctr">
+        <a:solidFill>
+          <a:schemeClr val="tx1">
+            <a:lumMod val="35000"/>
+            <a:lumOff val="65000"/>
+          </a:schemeClr>
+        </a:solidFill>
+        <a:round/>
+      </a:ln>
+    </cs:spPr>
+  </cs:seriesLine>
+  <cs:title>
+    <cs:lnRef idx="0"/>
+    <cs:fillRef idx="0"/>
+    <cs:effectRef idx="0"/>
+    <cs:fontRef idx="minor">
+      <a:schemeClr val="tx1">
+        <a:lumMod val="65000"/>
+        <a:lumOff val="35000"/>
+      </a:schemeClr>
+    </cs:fontRef>
+    <cs:defRPr sz="1862" b="0" kern="1200" spc="0" baseline="0"/>
+  </cs:title>
+  <cs:trendline>
+    <cs:lnRef idx="0">
+      <cs:styleClr val="auto"/>
+    </cs:lnRef>
+    <cs:fillRef idx="0"/>
+    <cs:effectRef idx="0"/>
+    <cs:fontRef idx="minor">
+      <a:schemeClr val="tx1"/>
+    </cs:fontRef>
+    <cs:spPr>
+      <a:ln w="19050" cap="rnd">
+        <a:solidFill>
+          <a:schemeClr val="phClr"/>
+        </a:solidFill>
+        <a:prstDash val="sysDot"/>
+      </a:ln>
+    </cs:spPr>
+  </cs:trendline>
+  <cs:trendlineLabel>
+    <cs:lnRef idx="0"/>
+    <cs:fillRef idx="0"/>
+    <cs:effectRef idx="0"/>
+    <cs:fontRef idx="minor">
+      <a:schemeClr val="tx1">
+        <a:lumMod val="65000"/>
+        <a:lumOff val="35000"/>
+      </a:schemeClr>
+    </cs:fontRef>
+    <cs:defRPr sz="1197" kern="1200"/>
+  </cs:trendlineLabel>
+  <cs:upBar>
+    <cs:lnRef idx="0"/>
+    <cs:fillRef idx="0"/>
+    <cs:effectRef idx="0"/>
+    <cs:fontRef idx="minor">
+      <a:schemeClr val="dk1"/>
+    </cs:fontRef>
+    <cs:spPr>
+      <a:solidFill>
+        <a:schemeClr val="lt1"/>
+      </a:solidFill>
+      <a:ln w="9525">
+        <a:solidFill>
+          <a:schemeClr val="tx1">
+            <a:lumMod val="15000"/>
+            <a:lumOff val="85000"/>
+          </a:schemeClr>
+        </a:solidFill>
+      </a:ln>
+    </cs:spPr>
+  </cs:upBar>
+  <cs:valueAxis>
+    <cs:lnRef idx="0"/>
+    <cs:fillRef idx="0"/>
+    <cs:effectRef idx="0"/>
+    <cs:fontRef idx="minor">
+      <a:schemeClr val="tx1">
+        <a:lumMod val="65000"/>
+        <a:lumOff val="35000"/>
+      </a:schemeClr>
+    </cs:fontRef>
+    <cs:defRPr sz="1197" kern="1200"/>
+  </cs:valueAxis>
+  <cs:wall>
+    <cs:lnRef idx="0"/>
+    <cs:fillRef idx="0"/>
+    <cs:effectRef idx="0"/>
+    <cs:fontRef idx="minor">
+      <a:schemeClr val="tx1"/>
+    </cs:fontRef>
+    <cs:spPr>
+      <a:noFill/>
+      <a:ln>
+        <a:noFill/>
+      </a:ln>
+    </cs:spPr>
+  </cs:wall>
+</cs:chartStyle>
+</file>
+
+<file path=ppt/charts/style2.xml><?xml version="1.0" encoding="utf-8"?>
+<cs:chartStyle xmlns:cs="http://schemas.microsoft.com/office/drawing/2012/chartStyle" xmlns:a="http://schemas.openxmlformats.org/drawingml/2006/main" id="235">
+  <cs:axisTitle>
+    <cs:lnRef idx="0"/>
+    <cs:fillRef idx="0"/>
+    <cs:effectRef idx="0"/>
+    <cs:fontRef idx="minor">
+      <a:schemeClr val="tx1">
+        <a:lumMod val="65000"/>
+        <a:lumOff val="35000"/>
+      </a:schemeClr>
+    </cs:fontRef>
+    <cs:defRPr sz="1197" kern="1200" cap="all"/>
+  </cs:axisTitle>
+  <cs:categoryAxis>
+    <cs:lnRef idx="0"/>
+    <cs:fillRef idx="0"/>
+    <cs:effectRef idx="0"/>
+    <cs:fontRef idx="minor">
+      <a:schemeClr val="tx1">
+        <a:lumMod val="65000"/>
+        <a:lumOff val="35000"/>
+      </a:schemeClr>
+    </cs:fontRef>
+    <cs:spPr>
+      <a:ln w="9525" cap="flat" cmpd="sng" algn="ctr">
+        <a:solidFill>
+          <a:schemeClr val="tx1">
+            <a:lumMod val="15000"/>
+            <a:lumOff val="85000"/>
+          </a:schemeClr>
+        </a:solidFill>
+        <a:round/>
+      </a:ln>
+    </cs:spPr>
+    <cs:defRPr sz="1197" b="0" kern="1200" cap="none" spc="0" normalizeH="0" baseline="0"/>
+  </cs:categoryAxis>
+  <cs:chartArea mods="allowNoFillOverride allowNoLineOverride">
+    <cs:lnRef idx="0"/>
+    <cs:fillRef idx="0"/>
+    <cs:effectRef idx="0"/>
+    <cs:fontRef idx="minor">
+      <a:schemeClr val="dk1"/>
+    </cs:fontRef>
+    <cs:spPr>
+      <a:solidFill>
+        <a:schemeClr val="bg1"/>
+      </a:solidFill>
+      <a:ln w="9525" cap="flat" cmpd="sng" algn="ctr">
+        <a:solidFill>
+          <a:schemeClr val="tx1">
+            <a:lumMod val="15000"/>
+            <a:lumOff val="85000"/>
+          </a:schemeClr>
+        </a:solidFill>
+        <a:round/>
+      </a:ln>
+    </cs:spPr>
+    <cs:defRPr sz="1197" kern="1200"/>
+  </cs:chartArea>
+  <cs:dataLabel>
+    <cs:lnRef idx="0"/>
+    <cs:fillRef idx="0"/>
+    <cs:effectRef idx="0"/>
+    <cs:fontRef idx="minor">
+      <a:schemeClr val="tx1">
+        <a:lumMod val="75000"/>
+        <a:lumOff val="25000"/>
+      </a:schemeClr>
+    </cs:fontRef>
+    <cs:defRPr sz="1197" kern="1200"/>
+  </cs:dataLabel>
+  <cs:dataLabelCallout>
+    <cs:lnRef idx="0"/>
+    <cs:fillRef idx="0"/>
+    <cs:effectRef idx="0"/>
+    <cs:fontRef idx="minor">
+      <a:schemeClr val="dk1">
+        <a:lumMod val="75000"/>
+        <a:lumOff val="25000"/>
+      </a:schemeClr>
+    </cs:fontRef>
+    <cs:spPr>
+      <a:solidFill>
+        <a:schemeClr val="dk1">
+          <a:lumMod val="15000"/>
+          <a:lumOff val="85000"/>
+        </a:schemeClr>
+      </a:solidFill>
+    </cs:spPr>
+    <cs:defRPr sz="1197" kern="1200"/>
+    <cs:bodyPr rot="0" spcFirstLastPara="1" vertOverflow="clip" horzOverflow="clip" vert="horz" wrap="square" lIns="36576" tIns="18288" rIns="36576" bIns="18288" anchor="ctr" anchorCtr="1">
+      <a:spAutoFit/>
+    </cs:bodyPr>
+  </cs:dataLabelCallout>
+  <cs:dataPoint>
+    <cs:lnRef idx="0"/>
+    <cs:fillRef idx="0">
+      <cs:styleClr val="auto"/>
+    </cs:fillRef>
+    <cs:effectRef idx="0"/>
+    <cs:fontRef idx="minor">
+      <a:schemeClr val="dk1"/>
+    </cs:fontRef>
+    <cs:spPr>
+      <a:solidFill>
+        <a:schemeClr val="phClr"/>
+      </a:solidFill>
+    </cs:spPr>
+  </cs:dataPoint>
+  <cs:dataPoint3D>
+    <cs:lnRef idx="0"/>
+    <cs:fillRef idx="0">
+      <cs:styleClr val="auto"/>
+    </cs:fillRef>
+    <cs:effectRef idx="0"/>
+    <cs:fontRef idx="minor">
+      <a:schemeClr val="dk1"/>
+    </cs:fontRef>
+    <cs:spPr>
+      <a:solidFill>
+        <a:schemeClr val="phClr"/>
+      </a:solidFill>
+    </cs:spPr>
+  </cs:dataPoint3D>
+  <cs:dataPointLine>
+    <cs:lnRef idx="0">
+      <cs:styleClr val="auto"/>
+    </cs:lnRef>
+    <cs:fillRef idx="0"/>
+    <cs:effectRef idx="0"/>
+    <cs:fontRef idx="minor">
+      <a:schemeClr val="dk1"/>
+    </cs:fontRef>
+    <cs:spPr>
+      <a:ln w="38100" cap="rnd">
+        <a:solidFill>
+          <a:schemeClr val="phClr"/>
+        </a:solidFill>
+        <a:round/>
+      </a:ln>
+    </cs:spPr>
+  </cs:dataPointLine>
+  <cs:dataPointMarker>
+    <cs:lnRef idx="0"/>
+    <cs:fillRef idx="0">
+      <cs:styleClr val="auto"/>
+    </cs:fillRef>
+    <cs:effectRef idx="0"/>
+    <cs:fontRef idx="minor">
+      <a:schemeClr val="dk1"/>
+    </cs:fontRef>
+    <cs:spPr>
+      <a:solidFill>
+        <a:schemeClr val="phClr"/>
+      </a:solidFill>
+    </cs:spPr>
+  </cs:dataPointMarker>
+  <cs:dataPointMarkerLayout symbol="circle" size="8"/>
+  <cs:dataPointWireframe>
+    <cs:lnRef idx="0">
+      <cs:styleClr val="auto"/>
+    </cs:lnRef>
+    <cs:fillRef idx="0"/>
+    <cs:effectRef idx="0"/>
+    <cs:fontRef idx="minor">
+      <a:schemeClr val="dk1"/>
+    </cs:fontRef>
+    <cs:spPr>
+      <a:ln w="9525" cap="rnd">
+        <a:solidFill>
+          <a:schemeClr val="phClr"/>
+        </a:solidFill>
+        <a:round/>
+      </a:ln>
+    </cs:spPr>
+  </cs:dataPointWireframe>
+  <cs:dataTable>
+    <cs:lnRef idx="0"/>
+    <cs:fillRef idx="0"/>
+    <cs:effectRef idx="0"/>
+    <cs:fontRef idx="minor">
+      <a:schemeClr val="tx1">
+        <a:lumMod val="65000"/>
+        <a:lumOff val="35000"/>
+      </a:schemeClr>
+    </cs:fontRef>
+    <cs:spPr>
+      <a:ln w="9525">
+        <a:solidFill>
+          <a:schemeClr val="tx1">
+            <a:lumMod val="15000"/>
+            <a:lumOff val="85000"/>
+          </a:schemeClr>
+        </a:solidFill>
+      </a:ln>
+    </cs:spPr>
+    <cs:defRPr sz="1197" kern="1200"/>
+  </cs:dataTable>
+  <cs:downBar>
+    <cs:lnRef idx="0"/>
+    <cs:fillRef idx="0"/>
+    <cs:effectRef idx="0"/>
+    <cs:fontRef idx="minor">
+      <a:schemeClr val="dk1"/>
+    </cs:fontRef>
+    <cs:spPr>
+      <a:solidFill>
+        <a:schemeClr val="dk1">
+          <a:lumMod val="75000"/>
+          <a:lumOff val="25000"/>
+        </a:schemeClr>
+      </a:solidFill>
+      <a:ln w="9525">
+        <a:solidFill>
+          <a:schemeClr val="tx1">
+            <a:lumMod val="50000"/>
+            <a:lumOff val="50000"/>
+          </a:schemeClr>
+        </a:solidFill>
+      </a:ln>
+    </cs:spPr>
+  </cs:downBar>
+  <cs:dropLine>
+    <cs:lnRef idx="0"/>
+    <cs:fillRef idx="0"/>
+    <cs:effectRef idx="0"/>
+    <cs:fontRef idx="minor">
+      <a:schemeClr val="dk1"/>
+    </cs:fontRef>
+    <cs:spPr>
+      <a:ln w="9525">
+        <a:solidFill>
+          <a:schemeClr val="tx1">
+            <a:lumMod val="50000"/>
+            <a:lumOff val="50000"/>
+          </a:schemeClr>
+        </a:solidFill>
+        <a:prstDash val="dash"/>
+      </a:ln>
+    </cs:spPr>
+  </cs:dropLine>
+  <cs:errorBar>
+    <cs:lnRef idx="0"/>
+    <cs:fillRef idx="0"/>
+    <cs:effectRef idx="0"/>
+    <cs:fontRef idx="minor">
+      <a:schemeClr val="dk1"/>
+    </cs:fontRef>
+    <cs:spPr>
+      <a:ln w="9525">
+        <a:solidFill>
+          <a:schemeClr val="tx1">
+            <a:lumMod val="50000"/>
+            <a:lumOff val="50000"/>
+          </a:schemeClr>
+        </a:solidFill>
+        <a:round/>
+      </a:ln>
+    </cs:spPr>
+  </cs:errorBar>
+  <cs:floor>
+    <cs:lnRef idx="0"/>
+    <cs:fillRef idx="0"/>
+    <cs:effectRef idx="0"/>
+    <cs:fontRef idx="minor">
+      <a:schemeClr val="dk1"/>
+    </cs:fontRef>
+  </cs:floor>
+  <cs:gridlineMajor>
+    <cs:lnRef idx="0"/>
+    <cs:fillRef idx="0"/>
+    <cs:effectRef idx="0"/>
+    <cs:fontRef idx="minor">
+      <a:schemeClr val="dk1"/>
+    </cs:fontRef>
+    <cs:spPr>
+      <a:ln w="9525" cap="flat" cmpd="sng" algn="ctr">
+        <a:solidFill>
+          <a:schemeClr val="tx1">
+            <a:lumMod val="15000"/>
+            <a:lumOff val="85000"/>
+          </a:schemeClr>
+        </a:solidFill>
+        <a:round/>
+      </a:ln>
+    </cs:spPr>
+  </cs:gridlineMajor>
+  <cs:gridlineMinor>
+    <cs:lnRef idx="0"/>
+    <cs:fillRef idx="0"/>
+    <cs:effectRef idx="0"/>
+    <cs:fontRef idx="minor">
+      <a:schemeClr val="dk1"/>
+    </cs:fontRef>
+    <cs:spPr>
+      <a:ln w="9525" cap="flat" cmpd="sng" algn="ctr">
+        <a:solidFill>
+          <a:schemeClr val="tx1">
+            <a:lumMod val="5000"/>
+            <a:lumOff val="95000"/>
+          </a:schemeClr>
+        </a:solidFill>
+        <a:round/>
+      </a:ln>
+    </cs:spPr>
+  </cs:gridlineMinor>
+  <cs:hiLoLine>
+    <cs:lnRef idx="0"/>
+    <cs:fillRef idx="0"/>
+    <cs:effectRef idx="0"/>
+    <cs:fontRef idx="minor">
+      <a:schemeClr val="dk1"/>
+    </cs:fontRef>
+    <cs:spPr>
+      <a:ln w="9525">
+        <a:solidFill>
+          <a:schemeClr val="tx1">
+            <a:lumMod val="50000"/>
+            <a:lumOff val="50000"/>
+          </a:schemeClr>
+        </a:solidFill>
+        <a:prstDash val="dash"/>
+      </a:ln>
+    </cs:spPr>
+  </cs:hiLoLine>
+  <cs:leaderLine>
+    <cs:lnRef idx="0"/>
+    <cs:fillRef idx="0"/>
+    <cs:effectRef idx="0"/>
+    <cs:fontRef idx="minor">
+      <a:schemeClr val="dk1"/>
+    </cs:fontRef>
+    <cs:spPr>
+      <a:ln w="9525">
+        <a:solidFill>
+          <a:schemeClr val="tx1">
+            <a:lumMod val="35000"/>
+            <a:lumOff val="65000"/>
+          </a:schemeClr>
+        </a:solidFill>
+      </a:ln>
+    </cs:spPr>
+  </cs:leaderLine>
+  <cs:legend>
+    <cs:lnRef idx="0"/>
+    <cs:fillRef idx="0"/>
+    <cs:effectRef idx="0"/>
+    <cs:fontRef idx="minor">
+      <a:schemeClr val="tx1">
+        <a:lumMod val="65000"/>
+        <a:lumOff val="35000"/>
+      </a:schemeClr>
+    </cs:fontRef>
+    <cs:defRPr sz="1197" kern="1200"/>
+  </cs:legend>
+  <cs:plotArea mods="allowNoFillOverride allowNoLineOverride">
+    <cs:lnRef idx="0"/>
+    <cs:fillRef idx="0"/>
+    <cs:effectRef idx="0"/>
+    <cs:fontRef idx="minor">
+      <a:schemeClr val="dk1"/>
+    </cs:fontRef>
+  </cs:plotArea>
+  <cs:plotArea3D mods="allowNoFillOverride allowNoLineOverride">
+    <cs:lnRef idx="0"/>
+    <cs:fillRef idx="0"/>
+    <cs:effectRef idx="0"/>
+    <cs:fontRef idx="minor">
+      <a:schemeClr val="dk1"/>
+    </cs:fontRef>
+  </cs:plotArea3D>
+  <cs:seriesAxis>
+    <cs:lnRef idx="0"/>
+    <cs:fillRef idx="0"/>
+    <cs:effectRef idx="0"/>
+    <cs:fontRef idx="minor">
+      <a:schemeClr val="tx1">
+        <a:lumMod val="65000"/>
+        <a:lumOff val="35000"/>
+      </a:schemeClr>
+    </cs:fontRef>
+    <cs:spPr>
+      <a:ln w="9525" cap="flat" cmpd="sng" algn="ctr">
+        <a:solidFill>
+          <a:schemeClr val="tx1">
+            <a:lumMod val="15000"/>
+            <a:lumOff val="85000"/>
+          </a:schemeClr>
+        </a:solidFill>
+        <a:round/>
+      </a:ln>
+    </cs:spPr>
+    <cs:defRPr sz="1197" kern="1200"/>
+  </cs:seriesAxis>
+  <cs:seriesLine>
+    <cs:lnRef idx="0"/>
+    <cs:fillRef idx="0"/>
+    <cs:effectRef idx="0"/>
+    <cs:fontRef idx="minor">
+      <a:schemeClr val="dk1"/>
+    </cs:fontRef>
+    <cs:spPr>
+      <a:ln w="9525">
+        <a:solidFill>
+          <a:schemeClr val="tx1">
+            <a:lumMod val="35000"/>
+            <a:lumOff val="65000"/>
+          </a:schemeClr>
+        </a:solidFill>
+        <a:round/>
+      </a:ln>
+    </cs:spPr>
+  </cs:seriesLine>
+  <cs:title>
+    <cs:lnRef idx="0"/>
+    <cs:fillRef idx="0"/>
+    <cs:effectRef idx="0"/>
+    <cs:fontRef idx="major">
+      <a:schemeClr val="tx1">
+        <a:lumMod val="65000"/>
+        <a:lumOff val="35000"/>
+      </a:schemeClr>
+    </cs:fontRef>
+    <cs:defRPr sz="2200" b="0" kern="1200" cap="none" spc="0" normalizeH="0" baseline="0"/>
+  </cs:title>
+  <cs:trendline>
+    <cs:lnRef idx="0">
+      <cs:styleClr val="auto"/>
+    </cs:lnRef>
+    <cs:fillRef idx="0"/>
+    <cs:effectRef idx="0"/>
+    <cs:fontRef idx="minor">
+      <a:schemeClr val="dk1"/>
+    </cs:fontRef>
+    <cs:spPr>
+      <a:ln w="19050" cap="rnd">
+        <a:solidFill>
+          <a:schemeClr val="phClr"/>
+        </a:solidFill>
+        <a:round/>
+      </a:ln>
+    </cs:spPr>
+  </cs:trendline>
+  <cs:trendlineLabel>
+    <cs:lnRef idx="0"/>
+    <cs:fillRef idx="0"/>
+    <cs:effectRef idx="0"/>
+    <cs:fontRef idx="minor">
+      <a:schemeClr val="tx1">
+        <a:lumMod val="65000"/>
+        <a:lumOff val="35000"/>
+      </a:schemeClr>
+    </cs:fontRef>
+    <cs:defRPr sz="1197" kern="1200"/>
+  </cs:trendlineLabel>
+  <cs:upBar>
+    <cs:lnRef idx="0"/>
+    <cs:fillRef idx="0"/>
+    <cs:effectRef idx="0"/>
+    <cs:fontRef idx="minor">
+      <a:schemeClr val="dk1"/>
+    </cs:fontRef>
+    <cs:spPr>
+      <a:solidFill>
+        <a:schemeClr val="lt1"/>
+      </a:solidFill>
+      <a:ln w="9525">
+        <a:solidFill>
+          <a:schemeClr val="tx1">
+            <a:lumMod val="50000"/>
+            <a:lumOff val="50000"/>
+          </a:schemeClr>
+        </a:solidFill>
+      </a:ln>
+    </cs:spPr>
+  </cs:upBar>
+  <cs:valueAxis>
+    <cs:lnRef idx="0"/>
+    <cs:fillRef idx="0"/>
+    <cs:effectRef idx="0"/>
+    <cs:fontRef idx="minor">
+      <a:schemeClr val="tx1">
+        <a:lumMod val="65000"/>
+        <a:lumOff val="35000"/>
+      </a:schemeClr>
+    </cs:fontRef>
+    <cs:defRPr sz="1197" kern="1200"/>
+  </cs:valueAxis>
+  <cs:wall>
+    <cs:lnRef idx="0"/>
+    <cs:fillRef idx="0"/>
+    <cs:effectRef idx="0"/>
+    <cs:fontRef idx="minor">
+      <a:schemeClr val="dk1"/>
+    </cs:fontRef>
+  </cs:wall>
+</cs:chartStyle>
 </file>
 
 <file path=ppt/slideLayouts/slideLayout1.xml><?xml version="1.0" encoding="utf-8"?>
@@ -246,7 +2635,7 @@
           <a:p>
             <a:fld id="{69BC4C81-5BDA-4293-881F-CA02B92E15E9}" type="datetimeFigureOut">
               <a:rPr lang="ru-RU" smtClean="0"/>
-              <a:t>19.12.2018</a:t>
+              <a:t>15.01.2019</a:t>
             </a:fld>
             <a:endParaRPr lang="ru-RU"/>
           </a:p>
@@ -416,7 +2805,7 @@
           <a:p>
             <a:fld id="{69BC4C81-5BDA-4293-881F-CA02B92E15E9}" type="datetimeFigureOut">
               <a:rPr lang="ru-RU" smtClean="0"/>
-              <a:t>19.12.2018</a:t>
+              <a:t>15.01.2019</a:t>
             </a:fld>
             <a:endParaRPr lang="ru-RU"/>
           </a:p>
@@ -596,7 +2985,7 @@
           <a:p>
             <a:fld id="{69BC4C81-5BDA-4293-881F-CA02B92E15E9}" type="datetimeFigureOut">
               <a:rPr lang="ru-RU" smtClean="0"/>
-              <a:t>19.12.2018</a:t>
+              <a:t>15.01.2019</a:t>
             </a:fld>
             <a:endParaRPr lang="ru-RU"/>
           </a:p>
@@ -766,7 +3155,7 @@
           <a:p>
             <a:fld id="{69BC4C81-5BDA-4293-881F-CA02B92E15E9}" type="datetimeFigureOut">
               <a:rPr lang="ru-RU" smtClean="0"/>
-              <a:t>19.12.2018</a:t>
+              <a:t>15.01.2019</a:t>
             </a:fld>
             <a:endParaRPr lang="ru-RU"/>
           </a:p>
@@ -1012,7 +3401,7 @@
           <a:p>
             <a:fld id="{69BC4C81-5BDA-4293-881F-CA02B92E15E9}" type="datetimeFigureOut">
               <a:rPr lang="ru-RU" smtClean="0"/>
-              <a:t>19.12.2018</a:t>
+              <a:t>15.01.2019</a:t>
             </a:fld>
             <a:endParaRPr lang="ru-RU"/>
           </a:p>
@@ -1244,7 +3633,7 @@
           <a:p>
             <a:fld id="{69BC4C81-5BDA-4293-881F-CA02B92E15E9}" type="datetimeFigureOut">
               <a:rPr lang="ru-RU" smtClean="0"/>
-              <a:t>19.12.2018</a:t>
+              <a:t>15.01.2019</a:t>
             </a:fld>
             <a:endParaRPr lang="ru-RU"/>
           </a:p>
@@ -1611,7 +4000,7 @@
           <a:p>
             <a:fld id="{69BC4C81-5BDA-4293-881F-CA02B92E15E9}" type="datetimeFigureOut">
               <a:rPr lang="ru-RU" smtClean="0"/>
-              <a:t>19.12.2018</a:t>
+              <a:t>15.01.2019</a:t>
             </a:fld>
             <a:endParaRPr lang="ru-RU"/>
           </a:p>
@@ -1729,7 +4118,7 @@
           <a:p>
             <a:fld id="{69BC4C81-5BDA-4293-881F-CA02B92E15E9}" type="datetimeFigureOut">
               <a:rPr lang="ru-RU" smtClean="0"/>
-              <a:t>19.12.2018</a:t>
+              <a:t>15.01.2019</a:t>
             </a:fld>
             <a:endParaRPr lang="ru-RU"/>
           </a:p>
@@ -1824,7 +4213,7 @@
           <a:p>
             <a:fld id="{69BC4C81-5BDA-4293-881F-CA02B92E15E9}" type="datetimeFigureOut">
               <a:rPr lang="ru-RU" smtClean="0"/>
-              <a:t>19.12.2018</a:t>
+              <a:t>15.01.2019</a:t>
             </a:fld>
             <a:endParaRPr lang="ru-RU"/>
           </a:p>
@@ -2101,7 +4490,7 @@
           <a:p>
             <a:fld id="{69BC4C81-5BDA-4293-881F-CA02B92E15E9}" type="datetimeFigureOut">
               <a:rPr lang="ru-RU" smtClean="0"/>
-              <a:t>19.12.2018</a:t>
+              <a:t>15.01.2019</a:t>
             </a:fld>
             <a:endParaRPr lang="ru-RU"/>
           </a:p>
@@ -2354,7 +4743,7 @@
           <a:p>
             <a:fld id="{69BC4C81-5BDA-4293-881F-CA02B92E15E9}" type="datetimeFigureOut">
               <a:rPr lang="ru-RU" smtClean="0"/>
-              <a:t>19.12.2018</a:t>
+              <a:t>15.01.2019</a:t>
             </a:fld>
             <a:endParaRPr lang="ru-RU"/>
           </a:p>
@@ -2567,7 +4956,7 @@
           <a:p>
             <a:fld id="{69BC4C81-5BDA-4293-881F-CA02B92E15E9}" type="datetimeFigureOut">
               <a:rPr lang="ru-RU" smtClean="0"/>
-              <a:t>19.12.2018</a:t>
+              <a:t>15.01.2019</a:t>
             </a:fld>
             <a:endParaRPr lang="ru-RU"/>
           </a:p>
@@ -3086,7 +5475,7 @@
 </p:sld>
 </file>
 
-<file path=ppt/slides/slide2.xml><?xml version="1.0" encoding="utf-8"?>
+<file path=ppt/slides/slide10.xml><?xml version="1.0" encoding="utf-8"?>
 <p:sld xmlns:a="http://schemas.openxmlformats.org/drawingml/2006/main" xmlns:r="http://schemas.openxmlformats.org/officeDocument/2006/relationships" xmlns:p="http://schemas.openxmlformats.org/presentationml/2006/main">
   <p:cSld>
     <p:spTree>
@@ -3115,16 +5504,14 @@
         </p:nvSpPr>
         <p:spPr/>
         <p:txBody>
-          <a:bodyPr>
-            <a:normAutofit/>
-          </a:bodyPr>
-          <a:lstStyle/>
-          <a:p>
-            <a:r>
-              <a:rPr lang="ru-RU" sz="5400" dirty="0" smtClean="0"/>
-              <a:t>Актуальность исследования</a:t>
-            </a:r>
-            <a:endParaRPr lang="ru-RU" sz="5400" dirty="0"/>
+          <a:bodyPr/>
+          <a:lstStyle/>
+          <a:p>
+            <a:r>
+              <a:rPr lang="ru-RU" dirty="0" smtClean="0"/>
+              <a:t>Эволюционно – генетические алгоритмы</a:t>
+            </a:r>
+            <a:endParaRPr lang="ru-RU" dirty="0"/>
           </a:p>
         </p:txBody>
       </p:sp>
@@ -3140,43 +5527,27 @@
         </p:nvSpPr>
         <p:spPr/>
         <p:txBody>
-          <a:bodyPr>
-            <a:normAutofit/>
-          </a:bodyPr>
-          <a:lstStyle/>
-          <a:p>
-            <a:pPr marL="0" indent="0">
-              <a:buNone/>
-            </a:pPr>
-            <a:r>
-              <a:rPr lang="ru-RU" sz="3200" dirty="0" smtClean="0"/>
-              <a:t>Проблема распределения ресурсов актуальна во все времена, поскольку в отличие от потребностей, ресурсы всегда ограничены. Примерами таких задач являются задача оптимизации распределения инвестиций, на основе которой строится исследование; задача оптимизации процесса производства и др. Поскольку такие и схожие задачи имеют широкое применение на практике, нас интересует работоспособность различных алгоритмов на разного рода входных данных.</a:t>
-            </a:r>
-            <a:endParaRPr lang="ru-RU" sz="3200" dirty="0"/>
+          <a:bodyPr/>
+          <a:lstStyle/>
+          <a:p>
+            <a:endParaRPr lang="ru-RU"/>
           </a:p>
         </p:txBody>
       </p:sp>
     </p:spTree>
     <p:extLst>
       <p:ext uri="{BB962C8B-B14F-4D97-AF65-F5344CB8AC3E}">
-        <p14:creationId xmlns:p14="http://schemas.microsoft.com/office/powerpoint/2010/main" val="609252976"/>
+        <p14:creationId xmlns:p14="http://schemas.microsoft.com/office/powerpoint/2010/main" val="3829911943"/>
       </p:ext>
     </p:extLst>
   </p:cSld>
   <p:clrMapOvr>
     <a:masterClrMapping/>
   </p:clrMapOvr>
-  <p:timing>
-    <p:tnLst>
-      <p:par>
-        <p:cTn id="1" dur="indefinite" restart="never" nodeType="tmRoot"/>
-      </p:par>
-    </p:tnLst>
-  </p:timing>
 </p:sld>
 </file>
 
-<file path=ppt/slides/slide3.xml><?xml version="1.0" encoding="utf-8"?>
+<file path=ppt/slides/slide11.xml><?xml version="1.0" encoding="utf-8"?>
 <p:sld xmlns:a="http://schemas.openxmlformats.org/drawingml/2006/main" xmlns:r="http://schemas.openxmlformats.org/officeDocument/2006/relationships" xmlns:p="http://schemas.openxmlformats.org/presentationml/2006/main">
   <p:cSld>
     <p:spTree>
@@ -3205,16 +5576,14 @@
         </p:nvSpPr>
         <p:spPr/>
         <p:txBody>
-          <a:bodyPr>
-            <a:normAutofit/>
-          </a:bodyPr>
-          <a:lstStyle/>
-          <a:p>
-            <a:r>
-              <a:rPr lang="ru-RU" sz="5400" dirty="0" smtClean="0"/>
-              <a:t>Объект и предмет исследования</a:t>
-            </a:r>
-            <a:endParaRPr lang="ru-RU" sz="5400" dirty="0"/>
+          <a:bodyPr/>
+          <a:lstStyle/>
+          <a:p>
+            <a:r>
+              <a:rPr lang="ru-RU" dirty="0" smtClean="0"/>
+              <a:t>Жадный алгоритм</a:t>
+            </a:r>
+            <a:endParaRPr lang="ru-RU" dirty="0"/>
           </a:p>
         </p:txBody>
       </p:sp>
@@ -3233,614 +5602,24 @@
           <a:bodyPr/>
           <a:lstStyle/>
           <a:p>
-            <a:r>
-              <a:rPr lang="ru-RU" sz="3200" dirty="0"/>
-              <a:t>Объектом</a:t>
-            </a:r>
-            <a:r>
-              <a:rPr lang="ru-RU" sz="3200" dirty="0" smtClean="0"/>
-              <a:t> исследования являются различные подходы к решению задачи об оптимальном распределении ресурсов.</a:t>
-            </a:r>
-            <a:endParaRPr lang="ru-RU" sz="3200" dirty="0"/>
-          </a:p>
-          <a:p>
-            <a:r>
-              <a:rPr lang="ru-RU" sz="3200" dirty="0"/>
-              <a:t>Предметом</a:t>
-            </a:r>
-            <a:r>
-              <a:rPr lang="ru-RU" dirty="0" smtClean="0"/>
-              <a:t> </a:t>
-            </a:r>
-            <a:r>
-              <a:rPr lang="ru-RU" sz="3200" dirty="0" smtClean="0"/>
-              <a:t>исследования является проблема выбора алгоритма для решения задачи, поставленной определенным образом.</a:t>
-            </a:r>
-            <a:endParaRPr lang="ru-RU" sz="3200" dirty="0"/>
+            <a:endParaRPr lang="ru-RU"/>
           </a:p>
         </p:txBody>
       </p:sp>
     </p:spTree>
     <p:extLst>
       <p:ext uri="{BB962C8B-B14F-4D97-AF65-F5344CB8AC3E}">
-        <p14:creationId xmlns:p14="http://schemas.microsoft.com/office/powerpoint/2010/main" val="1286685418"/>
+        <p14:creationId xmlns:p14="http://schemas.microsoft.com/office/powerpoint/2010/main" val="3255869916"/>
       </p:ext>
     </p:extLst>
   </p:cSld>
   <p:clrMapOvr>
     <a:masterClrMapping/>
   </p:clrMapOvr>
-  <p:timing>
-    <p:tnLst>
-      <p:par>
-        <p:cTn id="1" dur="indefinite" restart="never" nodeType="tmRoot"/>
-      </p:par>
-    </p:tnLst>
-  </p:timing>
 </p:sld>
 </file>
 
-<file path=ppt/slides/slide4.xml><?xml version="1.0" encoding="utf-8"?>
-<p:sld xmlns:a="http://schemas.openxmlformats.org/drawingml/2006/main" xmlns:r="http://schemas.openxmlformats.org/officeDocument/2006/relationships" xmlns:p="http://schemas.openxmlformats.org/presentationml/2006/main">
-  <p:cSld>
-    <p:spTree>
-      <p:nvGrpSpPr>
-        <p:cNvPr id="1" name=""/>
-        <p:cNvGrpSpPr/>
-        <p:nvPr/>
-      </p:nvGrpSpPr>
-      <p:grpSpPr>
-        <a:xfrm>
-          <a:off x="0" y="0"/>
-          <a:ext cx="0" cy="0"/>
-          <a:chOff x="0" y="0"/>
-          <a:chExt cx="0" cy="0"/>
-        </a:xfrm>
-      </p:grpSpPr>
-      <p:sp>
-        <p:nvSpPr>
-          <p:cNvPr id="2" name="Заголовок 1"/>
-          <p:cNvSpPr>
-            <a:spLocks noGrp="1"/>
-          </p:cNvSpPr>
-          <p:nvPr>
-            <p:ph type="title"/>
-          </p:nvPr>
-        </p:nvSpPr>
-        <p:spPr/>
-        <p:txBody>
-          <a:bodyPr>
-            <a:normAutofit/>
-          </a:bodyPr>
-          <a:lstStyle/>
-          <a:p>
-            <a:r>
-              <a:rPr lang="ru-RU" sz="5400" dirty="0" smtClean="0"/>
-              <a:t>Цель исследования</a:t>
-            </a:r>
-            <a:endParaRPr lang="ru-RU" sz="5400" dirty="0"/>
-          </a:p>
-        </p:txBody>
-      </p:sp>
-      <p:sp>
-        <p:nvSpPr>
-          <p:cNvPr id="3" name="Объект 2"/>
-          <p:cNvSpPr>
-            <a:spLocks noGrp="1"/>
-          </p:cNvSpPr>
-          <p:nvPr>
-            <p:ph idx="1"/>
-          </p:nvPr>
-        </p:nvSpPr>
-        <p:spPr/>
-        <p:txBody>
-          <a:bodyPr>
-            <a:normAutofit/>
-          </a:bodyPr>
-          <a:lstStyle/>
-          <a:p>
-            <a:pPr marL="0" indent="0">
-              <a:buNone/>
-            </a:pPr>
-            <a:r>
-              <a:rPr lang="ru-RU" sz="3200" dirty="0" smtClean="0"/>
-              <a:t>Провести сравнительный анализ методов </a:t>
-            </a:r>
-            <a:r>
-              <a:rPr lang="ru-RU" sz="3200" dirty="0"/>
-              <a:t>решения </a:t>
-            </a:r>
-            <a:r>
-              <a:rPr lang="ru-RU" sz="3200" dirty="0" smtClean="0"/>
-              <a:t>задачи, выявить диапазоны </a:t>
-            </a:r>
-            <a:r>
-              <a:rPr lang="ru-RU" sz="3200" dirty="0"/>
-              <a:t>наборов входных </a:t>
-            </a:r>
-            <a:r>
-              <a:rPr lang="ru-RU" sz="3200" dirty="0" smtClean="0"/>
-              <a:t>данных и </a:t>
-            </a:r>
-            <a:r>
-              <a:rPr lang="ru-RU" sz="3200" dirty="0" smtClean="0"/>
-              <a:t>условия</a:t>
-            </a:r>
-            <a:r>
-              <a:rPr lang="ru-RU" sz="3200" dirty="0" smtClean="0"/>
-              <a:t>, при </a:t>
-            </a:r>
-            <a:r>
-              <a:rPr lang="ru-RU" sz="3200" dirty="0"/>
-              <a:t>которых оправданно </a:t>
-            </a:r>
-            <a:r>
-              <a:rPr lang="ru-RU" sz="3200" dirty="0" smtClean="0"/>
-              <a:t>использование каждого из алгоритмов.</a:t>
-            </a:r>
-            <a:endParaRPr lang="ru-RU" sz="3200" dirty="0"/>
-          </a:p>
-          <a:p>
-            <a:pPr marL="0" indent="0">
-              <a:buNone/>
-            </a:pPr>
-            <a:endParaRPr lang="ru-RU" sz="3200" dirty="0"/>
-          </a:p>
-        </p:txBody>
-      </p:sp>
-    </p:spTree>
-    <p:extLst>
-      <p:ext uri="{BB962C8B-B14F-4D97-AF65-F5344CB8AC3E}">
-        <p14:creationId xmlns:p14="http://schemas.microsoft.com/office/powerpoint/2010/main" val="1925202505"/>
-      </p:ext>
-    </p:extLst>
-  </p:cSld>
-  <p:clrMapOvr>
-    <a:masterClrMapping/>
-  </p:clrMapOvr>
-  <p:timing>
-    <p:tnLst>
-      <p:par>
-        <p:cTn id="1" dur="indefinite" restart="never" nodeType="tmRoot"/>
-      </p:par>
-    </p:tnLst>
-  </p:timing>
-</p:sld>
-</file>
-
-<file path=ppt/slides/slide5.xml><?xml version="1.0" encoding="utf-8"?>
-<p:sld xmlns:a="http://schemas.openxmlformats.org/drawingml/2006/main" xmlns:r="http://schemas.openxmlformats.org/officeDocument/2006/relationships" xmlns:p="http://schemas.openxmlformats.org/presentationml/2006/main">
-  <p:cSld>
-    <p:spTree>
-      <p:nvGrpSpPr>
-        <p:cNvPr id="1" name=""/>
-        <p:cNvGrpSpPr/>
-        <p:nvPr/>
-      </p:nvGrpSpPr>
-      <p:grpSpPr>
-        <a:xfrm>
-          <a:off x="0" y="0"/>
-          <a:ext cx="0" cy="0"/>
-          <a:chOff x="0" y="0"/>
-          <a:chExt cx="0" cy="0"/>
-        </a:xfrm>
-      </p:grpSpPr>
-      <p:sp>
-        <p:nvSpPr>
-          <p:cNvPr id="2" name="Заголовок 1"/>
-          <p:cNvSpPr>
-            <a:spLocks noGrp="1"/>
-          </p:cNvSpPr>
-          <p:nvPr>
-            <p:ph type="title"/>
-          </p:nvPr>
-        </p:nvSpPr>
-        <p:spPr/>
-        <p:txBody>
-          <a:bodyPr>
-            <a:normAutofit/>
-          </a:bodyPr>
-          <a:lstStyle/>
-          <a:p>
-            <a:r>
-              <a:rPr lang="ru-RU" sz="5400" dirty="0" smtClean="0"/>
-              <a:t>Задачи исследования</a:t>
-            </a:r>
-            <a:endParaRPr lang="ru-RU" sz="5400" dirty="0"/>
-          </a:p>
-        </p:txBody>
-      </p:sp>
-      <p:sp>
-        <p:nvSpPr>
-          <p:cNvPr id="3" name="Объект 2"/>
-          <p:cNvSpPr>
-            <a:spLocks noGrp="1"/>
-          </p:cNvSpPr>
-          <p:nvPr>
-            <p:ph idx="1"/>
-          </p:nvPr>
-        </p:nvSpPr>
-        <p:spPr/>
-        <p:txBody>
-          <a:bodyPr>
-            <a:normAutofit/>
-          </a:bodyPr>
-          <a:lstStyle/>
-          <a:p>
-            <a:r>
-              <a:rPr lang="ru-RU" sz="3200" dirty="0" smtClean="0"/>
-              <a:t>Описание методов</a:t>
-            </a:r>
-          </a:p>
-          <a:p>
-            <a:r>
-              <a:rPr lang="ru-RU" sz="3200" dirty="0" smtClean="0"/>
-              <a:t>Реализация конкретных алгоритмов</a:t>
-            </a:r>
-          </a:p>
-          <a:p>
-            <a:r>
-              <a:rPr lang="ru-RU" sz="3200" dirty="0" smtClean="0"/>
-              <a:t>Проведение экспериментов с замерами времени работы и приближенности решения к оптимуму</a:t>
-            </a:r>
-          </a:p>
-          <a:p>
-            <a:r>
-              <a:rPr lang="ru-RU" sz="3200" dirty="0" smtClean="0"/>
-              <a:t>Анализ и сравнение собранных данных</a:t>
-            </a:r>
-          </a:p>
-          <a:p>
-            <a:r>
-              <a:rPr lang="ru-RU" sz="3200" dirty="0" smtClean="0"/>
-              <a:t>Формирование заключения</a:t>
-            </a:r>
-            <a:endParaRPr lang="ru-RU" sz="3200" dirty="0"/>
-          </a:p>
-        </p:txBody>
-      </p:sp>
-    </p:spTree>
-    <p:extLst>
-      <p:ext uri="{BB962C8B-B14F-4D97-AF65-F5344CB8AC3E}">
-        <p14:creationId xmlns:p14="http://schemas.microsoft.com/office/powerpoint/2010/main" val="1308621271"/>
-      </p:ext>
-    </p:extLst>
-  </p:cSld>
-  <p:clrMapOvr>
-    <a:masterClrMapping/>
-  </p:clrMapOvr>
-  <p:timing>
-    <p:tnLst>
-      <p:par>
-        <p:cTn id="1" dur="indefinite" restart="never" nodeType="tmRoot"/>
-      </p:par>
-    </p:tnLst>
-  </p:timing>
-</p:sld>
-</file>
-
-<file path=ppt/slides/slide6.xml><?xml version="1.0" encoding="utf-8"?>
-<p:sld xmlns:a="http://schemas.openxmlformats.org/drawingml/2006/main" xmlns:r="http://schemas.openxmlformats.org/officeDocument/2006/relationships" xmlns:p="http://schemas.openxmlformats.org/presentationml/2006/main">
-  <p:cSld>
-    <p:spTree>
-      <p:nvGrpSpPr>
-        <p:cNvPr id="1" name=""/>
-        <p:cNvGrpSpPr/>
-        <p:nvPr/>
-      </p:nvGrpSpPr>
-      <p:grpSpPr>
-        <a:xfrm>
-          <a:off x="0" y="0"/>
-          <a:ext cx="0" cy="0"/>
-          <a:chOff x="0" y="0"/>
-          <a:chExt cx="0" cy="0"/>
-        </a:xfrm>
-      </p:grpSpPr>
-      <p:sp>
-        <p:nvSpPr>
-          <p:cNvPr id="8" name="Заголовок 7"/>
-          <p:cNvSpPr>
-            <a:spLocks noGrp="1"/>
-          </p:cNvSpPr>
-          <p:nvPr>
-            <p:ph type="title"/>
-          </p:nvPr>
-        </p:nvSpPr>
-        <p:spPr/>
-        <p:txBody>
-          <a:bodyPr>
-            <a:normAutofit/>
-          </a:bodyPr>
-          <a:lstStyle/>
-          <a:p>
-            <a:r>
-              <a:rPr lang="ru-RU" sz="5400" dirty="0" smtClean="0"/>
-              <a:t>Краткий обзор методов</a:t>
-            </a:r>
-            <a:endParaRPr lang="ru-RU" sz="5400" dirty="0"/>
-          </a:p>
-        </p:txBody>
-      </p:sp>
-      <mc:AlternateContent xmlns:mc="http://schemas.openxmlformats.org/markup-compatibility/2006">
-        <mc:Choice xmlns:a14="http://schemas.microsoft.com/office/drawing/2010/main" Requires="a14">
-          <p:sp>
-            <p:nvSpPr>
-              <p:cNvPr id="9" name="Объект 8"/>
-              <p:cNvSpPr>
-                <a:spLocks noGrp="1"/>
-              </p:cNvSpPr>
-              <p:nvPr>
-                <p:ph idx="1"/>
-              </p:nvPr>
-            </p:nvSpPr>
-            <p:spPr/>
-            <p:txBody>
-              <a:bodyPr>
-                <a:normAutofit fontScale="92500" lnSpcReduction="10000"/>
-              </a:bodyPr>
-              <a:lstStyle/>
-              <a:p>
-                <a:r>
-                  <a:rPr lang="ru-RU" sz="3200" dirty="0" smtClean="0"/>
-                  <a:t>Полный перебор – точный алгоритм, временная оценка </a:t>
-                </a:r>
-                <a14:m>
-                  <m:oMath xmlns:m="http://schemas.openxmlformats.org/officeDocument/2006/math">
-                    <m:r>
-                      <a:rPr lang="en-US" sz="3200" b="0" i="1" smtClean="0">
-                        <a:latin typeface="Cambria Math" panose="02040503050406030204" pitchFamily="18" charset="0"/>
-                      </a:rPr>
-                      <m:t>𝑂</m:t>
-                    </m:r>
-                    <m:d>
-                      <m:dPr>
-                        <m:ctrlPr>
-                          <a:rPr lang="en-US" sz="3200" b="0" i="1" smtClean="0">
-                            <a:latin typeface="Cambria Math" panose="02040503050406030204" pitchFamily="18" charset="0"/>
-                          </a:rPr>
-                        </m:ctrlPr>
-                      </m:dPr>
-                      <m:e>
-                        <m:sSup>
-                          <m:sSupPr>
-                            <m:ctrlPr>
-                              <a:rPr lang="en-US" sz="3200" b="0" i="1" smtClean="0">
-                                <a:latin typeface="Cambria Math" panose="02040503050406030204" pitchFamily="18" charset="0"/>
-                              </a:rPr>
-                            </m:ctrlPr>
-                          </m:sSupPr>
-                          <m:e>
-                            <m:r>
-                              <a:rPr lang="en-US" sz="3200" b="0" i="1" smtClean="0">
-                                <a:latin typeface="Cambria Math" panose="02040503050406030204" pitchFamily="18" charset="0"/>
-                              </a:rPr>
-                              <m:t>𝑚</m:t>
-                            </m:r>
-                          </m:e>
-                          <m:sup>
-                            <m:r>
-                              <a:rPr lang="en-US" sz="3200" b="0" i="1" smtClean="0">
-                                <a:latin typeface="Cambria Math" panose="02040503050406030204" pitchFamily="18" charset="0"/>
-                              </a:rPr>
-                              <m:t>𝑛</m:t>
-                            </m:r>
-                          </m:sup>
-                        </m:sSup>
-                      </m:e>
-                    </m:d>
-                    <m:r>
-                      <a:rPr lang="ru-RU" sz="3200" b="0" i="1" smtClean="0">
-                        <a:latin typeface="Cambria Math" panose="02040503050406030204" pitchFamily="18" charset="0"/>
-                      </a:rPr>
-                      <m:t>.</m:t>
-                    </m:r>
-                  </m:oMath>
-                </a14:m>
-                <a:endParaRPr lang="en-US" sz="3200" dirty="0" smtClean="0"/>
-              </a:p>
-              <a:p>
-                <a:r>
-                  <a:rPr lang="ru-RU" sz="3200" dirty="0" smtClean="0"/>
-                  <a:t>Метод ветвей и границ – точный алгоритм, оценка в худшем случае</a:t>
-                </a:r>
-                <a:r>
-                  <a:rPr lang="en-US" sz="3200" b="0" dirty="0" smtClean="0"/>
-                  <a:t> </a:t>
-                </a:r>
-                <a14:m>
-                  <m:oMath xmlns:m="http://schemas.openxmlformats.org/officeDocument/2006/math">
-                    <m:r>
-                      <a:rPr lang="en-US" sz="3200" b="0" i="1" smtClean="0">
-                        <a:latin typeface="Cambria Math" panose="02040503050406030204" pitchFamily="18" charset="0"/>
-                      </a:rPr>
-                      <m:t>𝑂</m:t>
-                    </m:r>
-                    <m:r>
-                      <a:rPr lang="en-US" sz="3200" b="0" i="1" smtClean="0">
-                        <a:latin typeface="Cambria Math" panose="02040503050406030204" pitchFamily="18" charset="0"/>
-                      </a:rPr>
-                      <m:t>(</m:t>
-                    </m:r>
-                    <m:sSup>
-                      <m:sSupPr>
-                        <m:ctrlPr>
-                          <a:rPr lang="en-US" sz="3200" b="0" i="1" smtClean="0">
-                            <a:latin typeface="Cambria Math" panose="02040503050406030204" pitchFamily="18" charset="0"/>
-                          </a:rPr>
-                        </m:ctrlPr>
-                      </m:sSupPr>
-                      <m:e>
-                        <m:r>
-                          <a:rPr lang="en-US" sz="3200" b="0" i="1" smtClean="0">
-                            <a:latin typeface="Cambria Math" panose="02040503050406030204" pitchFamily="18" charset="0"/>
-                          </a:rPr>
-                          <m:t>𝑚</m:t>
-                        </m:r>
-                      </m:e>
-                      <m:sup>
-                        <m:r>
-                          <a:rPr lang="en-US" sz="3200" b="0" i="1" smtClean="0">
-                            <a:latin typeface="Cambria Math" panose="02040503050406030204" pitchFamily="18" charset="0"/>
-                          </a:rPr>
-                          <m:t>𝑛</m:t>
-                        </m:r>
-                      </m:sup>
-                    </m:sSup>
-                    <m:r>
-                      <a:rPr lang="en-US" sz="3200" b="0" i="1" smtClean="0">
-                        <a:latin typeface="Cambria Math" panose="02040503050406030204" pitchFamily="18" charset="0"/>
-                      </a:rPr>
-                      <m:t>)</m:t>
-                    </m:r>
-                  </m:oMath>
-                </a14:m>
-                <a:r>
-                  <a:rPr lang="ru-RU" sz="3200" dirty="0" smtClean="0"/>
-                  <a:t>.</a:t>
-                </a:r>
-              </a:p>
-              <a:p>
-                <a:r>
-                  <a:rPr lang="ru-RU" sz="3200" dirty="0" smtClean="0"/>
-                  <a:t>Динамическое программирование – точный алгоритм, оценка </a:t>
-                </a:r>
-                <a14:m>
-                  <m:oMath xmlns:m="http://schemas.openxmlformats.org/officeDocument/2006/math">
-                    <m:r>
-                      <a:rPr lang="en-US" sz="3200" b="0" i="1" smtClean="0">
-                        <a:latin typeface="Cambria Math" panose="02040503050406030204" pitchFamily="18" charset="0"/>
-                      </a:rPr>
-                      <m:t>𝑂</m:t>
-                    </m:r>
-                    <m:r>
-                      <a:rPr lang="en-US" sz="3200" b="0" i="1" smtClean="0">
-                        <a:latin typeface="Cambria Math" panose="02040503050406030204" pitchFamily="18" charset="0"/>
-                      </a:rPr>
-                      <m:t>(</m:t>
-                    </m:r>
-                    <m:r>
-                      <a:rPr lang="en-US" sz="3200" b="0" i="1" smtClean="0">
-                        <a:latin typeface="Cambria Math" panose="02040503050406030204" pitchFamily="18" charset="0"/>
-                      </a:rPr>
-                      <m:t>𝑛𝑚𝑊</m:t>
-                    </m:r>
-                    <m:r>
-                      <a:rPr lang="en-US" sz="3200" b="0" i="1" smtClean="0">
-                        <a:latin typeface="Cambria Math" panose="02040503050406030204" pitchFamily="18" charset="0"/>
-                      </a:rPr>
-                      <m:t>)</m:t>
-                    </m:r>
-                  </m:oMath>
-                </a14:m>
-                <a:endParaRPr lang="ru-RU" sz="3200" dirty="0" smtClean="0"/>
-              </a:p>
-              <a:p>
-                <a:r>
-                  <a:rPr lang="ru-RU" sz="3200" dirty="0" smtClean="0"/>
-                  <a:t>Эволюционно-генетический алгоритм – приближенный, время работы задается.</a:t>
-                </a:r>
-              </a:p>
-              <a:p>
-                <a:r>
-                  <a:rPr lang="ru-RU" sz="3200" dirty="0" smtClean="0"/>
-                  <a:t>Жадный алгоритм – приближенный, оценка</a:t>
-                </a:r>
-                <a:r>
-                  <a:rPr lang="en-US" sz="3200" dirty="0" smtClean="0"/>
-                  <a:t> </a:t>
-                </a:r>
-                <a:r>
-                  <a:rPr lang="ru-RU" sz="3200" dirty="0" smtClean="0"/>
-                  <a:t>для реализованного алгоритма </a:t>
-                </a:r>
-                <a14:m>
-                  <m:oMath xmlns:m="http://schemas.openxmlformats.org/officeDocument/2006/math">
-                    <m:r>
-                      <a:rPr lang="en-US" sz="3200" b="0" i="1" smtClean="0">
-                        <a:latin typeface="Cambria Math" panose="02040503050406030204" pitchFamily="18" charset="0"/>
-                      </a:rPr>
-                      <m:t>𝑂</m:t>
-                    </m:r>
-                    <m:r>
-                      <a:rPr lang="en-US" sz="3200" b="0" i="1" smtClean="0">
-                        <a:latin typeface="Cambria Math" panose="02040503050406030204" pitchFamily="18" charset="0"/>
-                      </a:rPr>
-                      <m:t>(</m:t>
-                    </m:r>
-                    <m:r>
-                      <a:rPr lang="en-US" sz="3200" b="0" i="1" smtClean="0">
-                        <a:latin typeface="Cambria Math" panose="02040503050406030204" pitchFamily="18" charset="0"/>
-                      </a:rPr>
-                      <m:t>𝑚𝑛</m:t>
-                    </m:r>
-                    <m:r>
-                      <a:rPr lang="en-US" sz="3200" b="0" i="1" smtClean="0">
-                        <a:latin typeface="Cambria Math" panose="02040503050406030204" pitchFamily="18" charset="0"/>
-                      </a:rPr>
-                      <m:t>)</m:t>
-                    </m:r>
-                  </m:oMath>
-                </a14:m>
-                <a:endParaRPr lang="ru-RU" sz="3200" dirty="0"/>
-              </a:p>
-            </p:txBody>
-          </p:sp>
-        </mc:Choice>
-        <mc:Fallback>
-          <p:sp>
-            <p:nvSpPr>
-              <p:cNvPr id="9" name="Объект 8"/>
-              <p:cNvSpPr>
-                <a:spLocks noGrp="1" noRot="1" noChangeAspect="1" noMove="1" noResize="1" noEditPoints="1" noAdjustHandles="1" noChangeArrowheads="1" noChangeShapeType="1" noTextEdit="1"/>
-              </p:cNvSpPr>
-              <p:nvPr>
-                <p:ph idx="1"/>
-              </p:nvPr>
-            </p:nvSpPr>
-            <p:spPr>
-              <a:blipFill>
-                <a:blip r:embed="rId2"/>
-                <a:stretch>
-                  <a:fillRect l="-1217" t="-3641" b="-2381"/>
-                </a:stretch>
-              </a:blipFill>
-            </p:spPr>
-            <p:txBody>
-              <a:bodyPr/>
-              <a:lstStyle/>
-              <a:p>
-                <a:r>
-                  <a:rPr lang="ru-RU">
-                    <a:noFill/>
-                  </a:rPr>
-                  <a:t> </a:t>
-                </a:r>
-              </a:p>
-            </p:txBody>
-          </p:sp>
-        </mc:Fallback>
-      </mc:AlternateContent>
-    </p:spTree>
-    <p:extLst>
-      <p:ext uri="{BB962C8B-B14F-4D97-AF65-F5344CB8AC3E}">
-        <p14:creationId xmlns:p14="http://schemas.microsoft.com/office/powerpoint/2010/main" val="1824800685"/>
-      </p:ext>
-    </p:extLst>
-  </p:cSld>
-  <p:clrMapOvr>
-    <a:masterClrMapping/>
-  </p:clrMapOvr>
-  <p:timing>
-    <p:tnLst>
-      <p:par>
-        <p:cTn id="1" dur="indefinite" restart="never" nodeType="tmRoot"/>
-      </p:par>
-    </p:tnLst>
-  </p:timing>
-</p:sld>
-</file>
-
-<file path=ppt/slides/slide7.xml><?xml version="1.0" encoding="utf-8"?>
+<file path=ppt/slides/slide12.xml><?xml version="1.0" encoding="utf-8"?>
 <p:sld xmlns:a="http://schemas.openxmlformats.org/drawingml/2006/main" xmlns:r="http://schemas.openxmlformats.org/officeDocument/2006/relationships" xmlns:p="http://schemas.openxmlformats.org/presentationml/2006/main">
   <p:cSld>
     <p:spTree>
@@ -4445,6 +6224,883 @@
 </p:sld>
 </file>
 
+<file path=ppt/slides/slide13.xml><?xml version="1.0" encoding="utf-8"?>
+<p:sld xmlns:a="http://schemas.openxmlformats.org/drawingml/2006/main" xmlns:r="http://schemas.openxmlformats.org/officeDocument/2006/relationships" xmlns:p="http://schemas.openxmlformats.org/presentationml/2006/main">
+  <p:cSld>
+    <p:spTree>
+      <p:nvGrpSpPr>
+        <p:cNvPr id="1" name=""/>
+        <p:cNvGrpSpPr/>
+        <p:nvPr/>
+      </p:nvGrpSpPr>
+      <p:grpSpPr>
+        <a:xfrm>
+          <a:off x="0" y="0"/>
+          <a:ext cx="0" cy="0"/>
+          <a:chOff x="0" y="0"/>
+          <a:chExt cx="0" cy="0"/>
+        </a:xfrm>
+      </p:grpSpPr>
+      <p:sp>
+        <p:nvSpPr>
+          <p:cNvPr id="2" name="Заголовок 1"/>
+          <p:cNvSpPr>
+            <a:spLocks noGrp="1"/>
+          </p:cNvSpPr>
+          <p:nvPr>
+            <p:ph type="title"/>
+          </p:nvPr>
+        </p:nvSpPr>
+        <p:spPr/>
+        <p:txBody>
+          <a:bodyPr>
+            <a:normAutofit/>
+          </a:bodyPr>
+          <a:lstStyle/>
+          <a:p>
+            <a:r>
+              <a:rPr lang="ru-RU" sz="5400" dirty="0" smtClean="0"/>
+              <a:t>Сравнение времени работы</a:t>
+            </a:r>
+            <a:endParaRPr lang="ru-RU" sz="5400" dirty="0"/>
+          </a:p>
+        </p:txBody>
+      </p:sp>
+      <p:graphicFrame>
+        <p:nvGraphicFramePr>
+          <p:cNvPr id="6" name="Объект 5"/>
+          <p:cNvGraphicFramePr>
+            <a:graphicFrameLocks noGrp="1"/>
+          </p:cNvGraphicFramePr>
+          <p:nvPr>
+            <p:ph idx="1"/>
+            <p:extLst>
+              <p:ext uri="{D42A27DB-BD31-4B8C-83A1-F6EECF244321}">
+                <p14:modId xmlns:p14="http://schemas.microsoft.com/office/powerpoint/2010/main" val="529723349"/>
+              </p:ext>
+            </p:extLst>
+          </p:nvPr>
+        </p:nvGraphicFramePr>
+        <p:xfrm>
+          <a:off x="838200" y="1825625"/>
+          <a:ext cx="10515600" cy="4351338"/>
+        </p:xfrm>
+        <a:graphic>
+          <a:graphicData uri="http://schemas.openxmlformats.org/drawingml/2006/chart">
+            <c:chart xmlns:c="http://schemas.openxmlformats.org/drawingml/2006/chart" xmlns:r="http://schemas.openxmlformats.org/officeDocument/2006/relationships" r:id="rId2"/>
+          </a:graphicData>
+        </a:graphic>
+      </p:graphicFrame>
+    </p:spTree>
+    <p:extLst>
+      <p:ext uri="{BB962C8B-B14F-4D97-AF65-F5344CB8AC3E}">
+        <p14:creationId xmlns:p14="http://schemas.microsoft.com/office/powerpoint/2010/main" val="2130980007"/>
+      </p:ext>
+    </p:extLst>
+  </p:cSld>
+  <p:clrMapOvr>
+    <a:masterClrMapping/>
+  </p:clrMapOvr>
+  <p:timing>
+    <p:tnLst>
+      <p:par>
+        <p:cTn id="1" dur="indefinite" restart="never" nodeType="tmRoot"/>
+      </p:par>
+    </p:tnLst>
+  </p:timing>
+</p:sld>
+</file>
+
+<file path=ppt/slides/slide14.xml><?xml version="1.0" encoding="utf-8"?>
+<p:sld xmlns:a="http://schemas.openxmlformats.org/drawingml/2006/main" xmlns:r="http://schemas.openxmlformats.org/officeDocument/2006/relationships" xmlns:p="http://schemas.openxmlformats.org/presentationml/2006/main">
+  <p:cSld>
+    <p:spTree>
+      <p:nvGrpSpPr>
+        <p:cNvPr id="1" name=""/>
+        <p:cNvGrpSpPr/>
+        <p:nvPr/>
+      </p:nvGrpSpPr>
+      <p:grpSpPr>
+        <a:xfrm>
+          <a:off x="0" y="0"/>
+          <a:ext cx="0" cy="0"/>
+          <a:chOff x="0" y="0"/>
+          <a:chExt cx="0" cy="0"/>
+        </a:xfrm>
+      </p:grpSpPr>
+      <p:sp>
+        <p:nvSpPr>
+          <p:cNvPr id="2" name="Заголовок 1"/>
+          <p:cNvSpPr>
+            <a:spLocks noGrp="1"/>
+          </p:cNvSpPr>
+          <p:nvPr>
+            <p:ph type="title"/>
+          </p:nvPr>
+        </p:nvSpPr>
+        <p:spPr/>
+        <p:txBody>
+          <a:bodyPr/>
+          <a:lstStyle/>
+          <a:p>
+            <a:r>
+              <a:rPr lang="ru-RU" dirty="0" smtClean="0"/>
+              <a:t>Приближенность решений</a:t>
+            </a:r>
+            <a:endParaRPr lang="ru-RU" dirty="0"/>
+          </a:p>
+        </p:txBody>
+      </p:sp>
+      <p:graphicFrame>
+        <p:nvGraphicFramePr>
+          <p:cNvPr id="8" name="Объект 7"/>
+          <p:cNvGraphicFramePr>
+            <a:graphicFrameLocks noGrp="1"/>
+          </p:cNvGraphicFramePr>
+          <p:nvPr>
+            <p:ph idx="1"/>
+            <p:extLst>
+              <p:ext uri="{D42A27DB-BD31-4B8C-83A1-F6EECF244321}">
+                <p14:modId xmlns:p14="http://schemas.microsoft.com/office/powerpoint/2010/main" val="636457122"/>
+              </p:ext>
+            </p:extLst>
+          </p:nvPr>
+        </p:nvGraphicFramePr>
+        <p:xfrm>
+          <a:off x="838200" y="1825625"/>
+          <a:ext cx="10515600" cy="4351338"/>
+        </p:xfrm>
+        <a:graphic>
+          <a:graphicData uri="http://schemas.openxmlformats.org/drawingml/2006/chart">
+            <c:chart xmlns:c="http://schemas.openxmlformats.org/drawingml/2006/chart" xmlns:r="http://schemas.openxmlformats.org/officeDocument/2006/relationships" r:id="rId2"/>
+          </a:graphicData>
+        </a:graphic>
+      </p:graphicFrame>
+    </p:spTree>
+    <p:extLst>
+      <p:ext uri="{BB962C8B-B14F-4D97-AF65-F5344CB8AC3E}">
+        <p14:creationId xmlns:p14="http://schemas.microsoft.com/office/powerpoint/2010/main" val="1034796355"/>
+      </p:ext>
+    </p:extLst>
+  </p:cSld>
+  <p:clrMapOvr>
+    <a:masterClrMapping/>
+  </p:clrMapOvr>
+</p:sld>
+</file>
+
+<file path=ppt/slides/slide15.xml><?xml version="1.0" encoding="utf-8"?>
+<p:sld xmlns:a="http://schemas.openxmlformats.org/drawingml/2006/main" xmlns:r="http://schemas.openxmlformats.org/officeDocument/2006/relationships" xmlns:p="http://schemas.openxmlformats.org/presentationml/2006/main">
+  <p:cSld>
+    <p:spTree>
+      <p:nvGrpSpPr>
+        <p:cNvPr id="1" name=""/>
+        <p:cNvGrpSpPr/>
+        <p:nvPr/>
+      </p:nvGrpSpPr>
+      <p:grpSpPr>
+        <a:xfrm>
+          <a:off x="0" y="0"/>
+          <a:ext cx="0" cy="0"/>
+          <a:chOff x="0" y="0"/>
+          <a:chExt cx="0" cy="0"/>
+        </a:xfrm>
+      </p:grpSpPr>
+      <p:sp>
+        <p:nvSpPr>
+          <p:cNvPr id="11" name="Заголовок 10"/>
+          <p:cNvSpPr>
+            <a:spLocks noGrp="1"/>
+          </p:cNvSpPr>
+          <p:nvPr>
+            <p:ph type="ctrTitle"/>
+          </p:nvPr>
+        </p:nvSpPr>
+        <p:spPr/>
+        <p:txBody>
+          <a:bodyPr>
+            <a:normAutofit fontScale="90000"/>
+          </a:bodyPr>
+          <a:lstStyle/>
+          <a:p>
+            <a:r>
+              <a:rPr lang="ru-RU" sz="4400" dirty="0" smtClean="0"/>
+              <a:t>Дипломная работа</a:t>
+            </a:r>
+            <a:r>
+              <a:rPr lang="ru-RU" sz="4800" dirty="0" smtClean="0"/>
+              <a:t/>
+            </a:r>
+            <a:br>
+              <a:rPr lang="ru-RU" sz="4800" dirty="0" smtClean="0"/>
+            </a:br>
+            <a:r>
+              <a:rPr lang="ru-RU" dirty="0" smtClean="0"/>
+              <a:t/>
+            </a:r>
+            <a:br>
+              <a:rPr lang="ru-RU" dirty="0" smtClean="0"/>
+            </a:br>
+            <a:r>
+              <a:rPr lang="ru-RU" sz="2800" dirty="0" smtClean="0"/>
+              <a:t>на тему:</a:t>
+            </a:r>
+            <a:br>
+              <a:rPr lang="ru-RU" sz="2800" dirty="0" smtClean="0"/>
+            </a:br>
+            <a:r>
+              <a:rPr lang="ru-RU" sz="3600" b="1" dirty="0"/>
+              <a:t>Сравнительный анализ подходов к решению задачи об оптимальном распределении инвестиций</a:t>
+            </a:r>
+          </a:p>
+        </p:txBody>
+      </p:sp>
+      <p:sp>
+        <p:nvSpPr>
+          <p:cNvPr id="12" name="Подзаголовок 11"/>
+          <p:cNvSpPr>
+            <a:spLocks noGrp="1"/>
+          </p:cNvSpPr>
+          <p:nvPr>
+            <p:ph type="subTitle" idx="1"/>
+          </p:nvPr>
+        </p:nvSpPr>
+        <p:spPr/>
+        <p:txBody>
+          <a:bodyPr>
+            <a:normAutofit/>
+          </a:bodyPr>
+          <a:lstStyle/>
+          <a:p>
+            <a:pPr algn="r"/>
+            <a:endParaRPr lang="ru-RU" sz="2000" dirty="0" smtClean="0"/>
+          </a:p>
+          <a:p>
+            <a:pPr algn="r"/>
+            <a:r>
+              <a:rPr lang="ru-RU" sz="2000" dirty="0" smtClean="0"/>
+              <a:t>Выполнил: Иванеженков Данила Владимирович		</a:t>
+            </a:r>
+          </a:p>
+          <a:p>
+            <a:pPr algn="r"/>
+            <a:r>
+              <a:rPr lang="ru-RU" sz="2000" dirty="0" smtClean="0"/>
+              <a:t>Научный руководитель: </a:t>
+            </a:r>
+            <a:r>
+              <a:rPr lang="ru-RU" sz="2000" dirty="0" err="1" smtClean="0"/>
+              <a:t>Неймарк</a:t>
+            </a:r>
+            <a:r>
+              <a:rPr lang="ru-RU" sz="2000" dirty="0" smtClean="0"/>
+              <a:t> Елена Александровна	</a:t>
+            </a:r>
+            <a:endParaRPr lang="ru-RU" sz="2000" dirty="0"/>
+          </a:p>
+        </p:txBody>
+      </p:sp>
+    </p:spTree>
+    <p:extLst>
+      <p:ext uri="{BB962C8B-B14F-4D97-AF65-F5344CB8AC3E}">
+        <p14:creationId xmlns:p14="http://schemas.microsoft.com/office/powerpoint/2010/main" val="2933417979"/>
+      </p:ext>
+    </p:extLst>
+  </p:cSld>
+  <p:clrMapOvr>
+    <a:masterClrMapping/>
+  </p:clrMapOvr>
+  <p:timing>
+    <p:tnLst>
+      <p:par>
+        <p:cTn id="1" dur="indefinite" restart="never" nodeType="tmRoot"/>
+      </p:par>
+    </p:tnLst>
+  </p:timing>
+</p:sld>
+</file>
+
+<file path=ppt/slides/slide2.xml><?xml version="1.0" encoding="utf-8"?>
+<p:sld xmlns:a="http://schemas.openxmlformats.org/drawingml/2006/main" xmlns:r="http://schemas.openxmlformats.org/officeDocument/2006/relationships" xmlns:p="http://schemas.openxmlformats.org/presentationml/2006/main">
+  <p:cSld>
+    <p:spTree>
+      <p:nvGrpSpPr>
+        <p:cNvPr id="1" name=""/>
+        <p:cNvGrpSpPr/>
+        <p:nvPr/>
+      </p:nvGrpSpPr>
+      <p:grpSpPr>
+        <a:xfrm>
+          <a:off x="0" y="0"/>
+          <a:ext cx="0" cy="0"/>
+          <a:chOff x="0" y="0"/>
+          <a:chExt cx="0" cy="0"/>
+        </a:xfrm>
+      </p:grpSpPr>
+      <p:sp>
+        <p:nvSpPr>
+          <p:cNvPr id="2" name="Заголовок 1"/>
+          <p:cNvSpPr>
+            <a:spLocks noGrp="1"/>
+          </p:cNvSpPr>
+          <p:nvPr>
+            <p:ph type="title"/>
+          </p:nvPr>
+        </p:nvSpPr>
+        <p:spPr/>
+        <p:txBody>
+          <a:bodyPr>
+            <a:normAutofit/>
+          </a:bodyPr>
+          <a:lstStyle/>
+          <a:p>
+            <a:r>
+              <a:rPr lang="ru-RU" sz="5400" dirty="0" smtClean="0"/>
+              <a:t>Актуальность исследования</a:t>
+            </a:r>
+            <a:endParaRPr lang="ru-RU" sz="5400" dirty="0"/>
+          </a:p>
+        </p:txBody>
+      </p:sp>
+      <p:sp>
+        <p:nvSpPr>
+          <p:cNvPr id="3" name="Объект 2"/>
+          <p:cNvSpPr>
+            <a:spLocks noGrp="1"/>
+          </p:cNvSpPr>
+          <p:nvPr>
+            <p:ph idx="1"/>
+          </p:nvPr>
+        </p:nvSpPr>
+        <p:spPr/>
+        <p:txBody>
+          <a:bodyPr>
+            <a:normAutofit/>
+          </a:bodyPr>
+          <a:lstStyle/>
+          <a:p>
+            <a:pPr marL="0" indent="0">
+              <a:buNone/>
+            </a:pPr>
+            <a:r>
+              <a:rPr lang="ru-RU" sz="3200" dirty="0" smtClean="0"/>
+              <a:t>Проблема распределения ресурсов актуальна во все времена, поскольку в отличие от потребностей, ресурсы всегда ограничены. Примерами таких задач являются задача оптимизации распределения инвестиций, на основе которой строится исследование; задача оптимизации процесса производства и др. Поскольку такие и схожие задачи имеют широкое применение на практике, нас интересует работоспособность различных алгоритмов на разного рода входных данных.</a:t>
+            </a:r>
+            <a:endParaRPr lang="ru-RU" sz="3200" dirty="0"/>
+          </a:p>
+        </p:txBody>
+      </p:sp>
+    </p:spTree>
+    <p:extLst>
+      <p:ext uri="{BB962C8B-B14F-4D97-AF65-F5344CB8AC3E}">
+        <p14:creationId xmlns:p14="http://schemas.microsoft.com/office/powerpoint/2010/main" val="609252976"/>
+      </p:ext>
+    </p:extLst>
+  </p:cSld>
+  <p:clrMapOvr>
+    <a:masterClrMapping/>
+  </p:clrMapOvr>
+  <p:timing>
+    <p:tnLst>
+      <p:par>
+        <p:cTn id="1" dur="indefinite" restart="never" nodeType="tmRoot"/>
+      </p:par>
+    </p:tnLst>
+  </p:timing>
+</p:sld>
+</file>
+
+<file path=ppt/slides/slide3.xml><?xml version="1.0" encoding="utf-8"?>
+<p:sld xmlns:a="http://schemas.openxmlformats.org/drawingml/2006/main" xmlns:r="http://schemas.openxmlformats.org/officeDocument/2006/relationships" xmlns:p="http://schemas.openxmlformats.org/presentationml/2006/main">
+  <p:cSld>
+    <p:spTree>
+      <p:nvGrpSpPr>
+        <p:cNvPr id="1" name=""/>
+        <p:cNvGrpSpPr/>
+        <p:nvPr/>
+      </p:nvGrpSpPr>
+      <p:grpSpPr>
+        <a:xfrm>
+          <a:off x="0" y="0"/>
+          <a:ext cx="0" cy="0"/>
+          <a:chOff x="0" y="0"/>
+          <a:chExt cx="0" cy="0"/>
+        </a:xfrm>
+      </p:grpSpPr>
+      <p:sp>
+        <p:nvSpPr>
+          <p:cNvPr id="2" name="Заголовок 1"/>
+          <p:cNvSpPr>
+            <a:spLocks noGrp="1"/>
+          </p:cNvSpPr>
+          <p:nvPr>
+            <p:ph type="title"/>
+          </p:nvPr>
+        </p:nvSpPr>
+        <p:spPr/>
+        <p:txBody>
+          <a:bodyPr>
+            <a:normAutofit/>
+          </a:bodyPr>
+          <a:lstStyle/>
+          <a:p>
+            <a:r>
+              <a:rPr lang="ru-RU" sz="5400" dirty="0" smtClean="0"/>
+              <a:t>Объект и предмет исследования</a:t>
+            </a:r>
+            <a:endParaRPr lang="ru-RU" sz="5400" dirty="0"/>
+          </a:p>
+        </p:txBody>
+      </p:sp>
+      <p:sp>
+        <p:nvSpPr>
+          <p:cNvPr id="3" name="Объект 2"/>
+          <p:cNvSpPr>
+            <a:spLocks noGrp="1"/>
+          </p:cNvSpPr>
+          <p:nvPr>
+            <p:ph idx="1"/>
+          </p:nvPr>
+        </p:nvSpPr>
+        <p:spPr/>
+        <p:txBody>
+          <a:bodyPr/>
+          <a:lstStyle/>
+          <a:p>
+            <a:r>
+              <a:rPr lang="ru-RU" sz="3200" dirty="0"/>
+              <a:t>Объектом</a:t>
+            </a:r>
+            <a:r>
+              <a:rPr lang="ru-RU" sz="3200" dirty="0" smtClean="0"/>
+              <a:t> исследования являются различные подходы к решению задачи об оптимальном распределении ресурсов.</a:t>
+            </a:r>
+            <a:endParaRPr lang="ru-RU" sz="3200" dirty="0"/>
+          </a:p>
+          <a:p>
+            <a:r>
+              <a:rPr lang="ru-RU" sz="3200" dirty="0"/>
+              <a:t>Предметом</a:t>
+            </a:r>
+            <a:r>
+              <a:rPr lang="ru-RU" dirty="0" smtClean="0"/>
+              <a:t> </a:t>
+            </a:r>
+            <a:r>
+              <a:rPr lang="ru-RU" sz="3200" dirty="0" smtClean="0"/>
+              <a:t>исследования является проблема выбора алгоритма для решения задачи, поставленной определенным образом.</a:t>
+            </a:r>
+            <a:endParaRPr lang="ru-RU" sz="3200" dirty="0"/>
+          </a:p>
+        </p:txBody>
+      </p:sp>
+    </p:spTree>
+    <p:extLst>
+      <p:ext uri="{BB962C8B-B14F-4D97-AF65-F5344CB8AC3E}">
+        <p14:creationId xmlns:p14="http://schemas.microsoft.com/office/powerpoint/2010/main" val="1286685418"/>
+      </p:ext>
+    </p:extLst>
+  </p:cSld>
+  <p:clrMapOvr>
+    <a:masterClrMapping/>
+  </p:clrMapOvr>
+  <p:timing>
+    <p:tnLst>
+      <p:par>
+        <p:cTn id="1" dur="indefinite" restart="never" nodeType="tmRoot"/>
+      </p:par>
+    </p:tnLst>
+  </p:timing>
+</p:sld>
+</file>
+
+<file path=ppt/slides/slide4.xml><?xml version="1.0" encoding="utf-8"?>
+<p:sld xmlns:a="http://schemas.openxmlformats.org/drawingml/2006/main" xmlns:r="http://schemas.openxmlformats.org/officeDocument/2006/relationships" xmlns:p="http://schemas.openxmlformats.org/presentationml/2006/main">
+  <p:cSld>
+    <p:spTree>
+      <p:nvGrpSpPr>
+        <p:cNvPr id="1" name=""/>
+        <p:cNvGrpSpPr/>
+        <p:nvPr/>
+      </p:nvGrpSpPr>
+      <p:grpSpPr>
+        <a:xfrm>
+          <a:off x="0" y="0"/>
+          <a:ext cx="0" cy="0"/>
+          <a:chOff x="0" y="0"/>
+          <a:chExt cx="0" cy="0"/>
+        </a:xfrm>
+      </p:grpSpPr>
+      <p:sp>
+        <p:nvSpPr>
+          <p:cNvPr id="2" name="Заголовок 1"/>
+          <p:cNvSpPr>
+            <a:spLocks noGrp="1"/>
+          </p:cNvSpPr>
+          <p:nvPr>
+            <p:ph type="title"/>
+          </p:nvPr>
+        </p:nvSpPr>
+        <p:spPr/>
+        <p:txBody>
+          <a:bodyPr>
+            <a:normAutofit/>
+          </a:bodyPr>
+          <a:lstStyle/>
+          <a:p>
+            <a:r>
+              <a:rPr lang="ru-RU" sz="5400" dirty="0" smtClean="0"/>
+              <a:t>Цель исследования</a:t>
+            </a:r>
+            <a:endParaRPr lang="ru-RU" sz="5400" dirty="0"/>
+          </a:p>
+        </p:txBody>
+      </p:sp>
+      <p:sp>
+        <p:nvSpPr>
+          <p:cNvPr id="3" name="Объект 2"/>
+          <p:cNvSpPr>
+            <a:spLocks noGrp="1"/>
+          </p:cNvSpPr>
+          <p:nvPr>
+            <p:ph idx="1"/>
+          </p:nvPr>
+        </p:nvSpPr>
+        <p:spPr/>
+        <p:txBody>
+          <a:bodyPr>
+            <a:normAutofit/>
+          </a:bodyPr>
+          <a:lstStyle/>
+          <a:p>
+            <a:pPr marL="0" indent="0">
+              <a:buNone/>
+            </a:pPr>
+            <a:r>
+              <a:rPr lang="ru-RU" sz="3200" dirty="0" smtClean="0"/>
+              <a:t>Провести сравнительный анализ методов </a:t>
+            </a:r>
+            <a:r>
+              <a:rPr lang="ru-RU" sz="3200" dirty="0"/>
+              <a:t>решения </a:t>
+            </a:r>
+            <a:r>
+              <a:rPr lang="ru-RU" sz="3200" dirty="0" smtClean="0"/>
+              <a:t>задачи, выявить диапазоны </a:t>
+            </a:r>
+            <a:r>
+              <a:rPr lang="ru-RU" sz="3200" dirty="0"/>
+              <a:t>наборов входных </a:t>
+            </a:r>
+            <a:r>
+              <a:rPr lang="ru-RU" sz="3200" dirty="0" smtClean="0"/>
+              <a:t>данных и условия, при </a:t>
+            </a:r>
+            <a:r>
+              <a:rPr lang="ru-RU" sz="3200" dirty="0"/>
+              <a:t>которых оправданно </a:t>
+            </a:r>
+            <a:r>
+              <a:rPr lang="ru-RU" sz="3200" dirty="0" smtClean="0"/>
+              <a:t>использование каждого из алгоритмов.</a:t>
+            </a:r>
+            <a:endParaRPr lang="ru-RU" sz="3200" dirty="0"/>
+          </a:p>
+          <a:p>
+            <a:pPr marL="0" indent="0">
+              <a:buNone/>
+            </a:pPr>
+            <a:endParaRPr lang="ru-RU" sz="3200" dirty="0"/>
+          </a:p>
+        </p:txBody>
+      </p:sp>
+    </p:spTree>
+    <p:extLst>
+      <p:ext uri="{BB962C8B-B14F-4D97-AF65-F5344CB8AC3E}">
+        <p14:creationId xmlns:p14="http://schemas.microsoft.com/office/powerpoint/2010/main" val="1925202505"/>
+      </p:ext>
+    </p:extLst>
+  </p:cSld>
+  <p:clrMapOvr>
+    <a:masterClrMapping/>
+  </p:clrMapOvr>
+  <p:timing>
+    <p:tnLst>
+      <p:par>
+        <p:cTn id="1" dur="indefinite" restart="never" nodeType="tmRoot"/>
+      </p:par>
+    </p:tnLst>
+  </p:timing>
+</p:sld>
+</file>
+
+<file path=ppt/slides/slide5.xml><?xml version="1.0" encoding="utf-8"?>
+<p:sld xmlns:a="http://schemas.openxmlformats.org/drawingml/2006/main" xmlns:r="http://schemas.openxmlformats.org/officeDocument/2006/relationships" xmlns:p="http://schemas.openxmlformats.org/presentationml/2006/main">
+  <p:cSld>
+    <p:spTree>
+      <p:nvGrpSpPr>
+        <p:cNvPr id="1" name=""/>
+        <p:cNvGrpSpPr/>
+        <p:nvPr/>
+      </p:nvGrpSpPr>
+      <p:grpSpPr>
+        <a:xfrm>
+          <a:off x="0" y="0"/>
+          <a:ext cx="0" cy="0"/>
+          <a:chOff x="0" y="0"/>
+          <a:chExt cx="0" cy="0"/>
+        </a:xfrm>
+      </p:grpSpPr>
+      <p:sp>
+        <p:nvSpPr>
+          <p:cNvPr id="2" name="Заголовок 1"/>
+          <p:cNvSpPr>
+            <a:spLocks noGrp="1"/>
+          </p:cNvSpPr>
+          <p:nvPr>
+            <p:ph type="title"/>
+          </p:nvPr>
+        </p:nvSpPr>
+        <p:spPr/>
+        <p:txBody>
+          <a:bodyPr>
+            <a:normAutofit/>
+          </a:bodyPr>
+          <a:lstStyle/>
+          <a:p>
+            <a:r>
+              <a:rPr lang="ru-RU" sz="5400" dirty="0" smtClean="0"/>
+              <a:t>Задачи исследования</a:t>
+            </a:r>
+            <a:endParaRPr lang="ru-RU" sz="5400" dirty="0"/>
+          </a:p>
+        </p:txBody>
+      </p:sp>
+      <p:sp>
+        <p:nvSpPr>
+          <p:cNvPr id="3" name="Объект 2"/>
+          <p:cNvSpPr>
+            <a:spLocks noGrp="1"/>
+          </p:cNvSpPr>
+          <p:nvPr>
+            <p:ph idx="1"/>
+          </p:nvPr>
+        </p:nvSpPr>
+        <p:spPr/>
+        <p:txBody>
+          <a:bodyPr>
+            <a:normAutofit/>
+          </a:bodyPr>
+          <a:lstStyle/>
+          <a:p>
+            <a:r>
+              <a:rPr lang="ru-RU" sz="3200" dirty="0" smtClean="0"/>
+              <a:t>Описание методов</a:t>
+            </a:r>
+          </a:p>
+          <a:p>
+            <a:r>
+              <a:rPr lang="ru-RU" sz="3200" dirty="0" smtClean="0"/>
+              <a:t>Реализация конкретных алгоритмов</a:t>
+            </a:r>
+          </a:p>
+          <a:p>
+            <a:r>
+              <a:rPr lang="ru-RU" sz="3200" dirty="0" smtClean="0"/>
+              <a:t>Проведение экспериментов с замерами времени работы и приближенности решения к оптимуму</a:t>
+            </a:r>
+          </a:p>
+          <a:p>
+            <a:r>
+              <a:rPr lang="ru-RU" sz="3200" dirty="0" smtClean="0"/>
+              <a:t>Анализ и сравнение собранных данных</a:t>
+            </a:r>
+          </a:p>
+          <a:p>
+            <a:r>
+              <a:rPr lang="ru-RU" sz="3200" dirty="0" smtClean="0"/>
+              <a:t>Формирование заключения</a:t>
+            </a:r>
+            <a:endParaRPr lang="ru-RU" sz="3200" dirty="0"/>
+          </a:p>
+        </p:txBody>
+      </p:sp>
+    </p:spTree>
+    <p:extLst>
+      <p:ext uri="{BB962C8B-B14F-4D97-AF65-F5344CB8AC3E}">
+        <p14:creationId xmlns:p14="http://schemas.microsoft.com/office/powerpoint/2010/main" val="1308621271"/>
+      </p:ext>
+    </p:extLst>
+  </p:cSld>
+  <p:clrMapOvr>
+    <a:masterClrMapping/>
+  </p:clrMapOvr>
+  <p:timing>
+    <p:tnLst>
+      <p:par>
+        <p:cTn id="1" dur="indefinite" restart="never" nodeType="tmRoot"/>
+      </p:par>
+    </p:tnLst>
+  </p:timing>
+</p:sld>
+</file>
+
+<file path=ppt/slides/slide6.xml><?xml version="1.0" encoding="utf-8"?>
+<p:sld xmlns:a="http://schemas.openxmlformats.org/drawingml/2006/main" xmlns:r="http://schemas.openxmlformats.org/officeDocument/2006/relationships" xmlns:p="http://schemas.openxmlformats.org/presentationml/2006/main">
+  <p:cSld>
+    <p:spTree>
+      <p:nvGrpSpPr>
+        <p:cNvPr id="1" name=""/>
+        <p:cNvGrpSpPr/>
+        <p:nvPr/>
+      </p:nvGrpSpPr>
+      <p:grpSpPr>
+        <a:xfrm>
+          <a:off x="0" y="0"/>
+          <a:ext cx="0" cy="0"/>
+          <a:chOff x="0" y="0"/>
+          <a:chExt cx="0" cy="0"/>
+        </a:xfrm>
+      </p:grpSpPr>
+      <p:sp>
+        <p:nvSpPr>
+          <p:cNvPr id="2" name="Заголовок 1"/>
+          <p:cNvSpPr>
+            <a:spLocks noGrp="1"/>
+          </p:cNvSpPr>
+          <p:nvPr>
+            <p:ph type="title"/>
+          </p:nvPr>
+        </p:nvSpPr>
+        <p:spPr/>
+        <p:txBody>
+          <a:bodyPr>
+            <a:normAutofit/>
+          </a:bodyPr>
+          <a:lstStyle/>
+          <a:p>
+            <a:r>
+              <a:rPr lang="ru-RU" sz="5400" dirty="0" smtClean="0"/>
+              <a:t>Постановка задачи</a:t>
+            </a:r>
+            <a:endParaRPr lang="ru-RU" sz="5400" dirty="0"/>
+          </a:p>
+        </p:txBody>
+      </p:sp>
+      <p:sp>
+        <p:nvSpPr>
+          <p:cNvPr id="3" name="Объект 2"/>
+          <p:cNvSpPr>
+            <a:spLocks noGrp="1"/>
+          </p:cNvSpPr>
+          <p:nvPr>
+            <p:ph idx="1"/>
+          </p:nvPr>
+        </p:nvSpPr>
+        <p:spPr/>
+        <p:txBody>
+          <a:bodyPr/>
+          <a:lstStyle/>
+          <a:p>
+            <a:r>
+              <a:rPr lang="ru-RU" dirty="0" smtClean="0"/>
+              <a:t>Расписать постановку</a:t>
+            </a:r>
+            <a:endParaRPr lang="ru-RU" dirty="0"/>
+          </a:p>
+        </p:txBody>
+      </p:sp>
+    </p:spTree>
+    <p:extLst>
+      <p:ext uri="{BB962C8B-B14F-4D97-AF65-F5344CB8AC3E}">
+        <p14:creationId xmlns:p14="http://schemas.microsoft.com/office/powerpoint/2010/main" val="3666296128"/>
+      </p:ext>
+    </p:extLst>
+  </p:cSld>
+  <p:clrMapOvr>
+    <a:masterClrMapping/>
+  </p:clrMapOvr>
+</p:sld>
+</file>
+
+<file path=ppt/slides/slide7.xml><?xml version="1.0" encoding="utf-8"?>
+<p:sld xmlns:a="http://schemas.openxmlformats.org/drawingml/2006/main" xmlns:r="http://schemas.openxmlformats.org/officeDocument/2006/relationships" xmlns:p="http://schemas.openxmlformats.org/presentationml/2006/main">
+  <p:cSld>
+    <p:spTree>
+      <p:nvGrpSpPr>
+        <p:cNvPr id="1" name=""/>
+        <p:cNvGrpSpPr/>
+        <p:nvPr/>
+      </p:nvGrpSpPr>
+      <p:grpSpPr>
+        <a:xfrm>
+          <a:off x="0" y="0"/>
+          <a:ext cx="0" cy="0"/>
+          <a:chOff x="0" y="0"/>
+          <a:chExt cx="0" cy="0"/>
+        </a:xfrm>
+      </p:grpSpPr>
+      <p:sp>
+        <p:nvSpPr>
+          <p:cNvPr id="2" name="Заголовок 1"/>
+          <p:cNvSpPr>
+            <a:spLocks noGrp="1"/>
+          </p:cNvSpPr>
+          <p:nvPr>
+            <p:ph type="title"/>
+          </p:nvPr>
+        </p:nvSpPr>
+        <p:spPr/>
+        <p:txBody>
+          <a:bodyPr>
+            <a:normAutofit/>
+          </a:bodyPr>
+          <a:lstStyle/>
+          <a:p>
+            <a:r>
+              <a:rPr lang="ru-RU" sz="5400" dirty="0" smtClean="0"/>
+              <a:t>Пример входных данных</a:t>
+            </a:r>
+            <a:endParaRPr lang="ru-RU" sz="5400" dirty="0"/>
+          </a:p>
+        </p:txBody>
+      </p:sp>
+      <p:sp>
+        <p:nvSpPr>
+          <p:cNvPr id="3" name="Объект 2"/>
+          <p:cNvSpPr>
+            <a:spLocks noGrp="1"/>
+          </p:cNvSpPr>
+          <p:nvPr>
+            <p:ph idx="1"/>
+          </p:nvPr>
+        </p:nvSpPr>
+        <p:spPr/>
+        <p:txBody>
+          <a:bodyPr/>
+          <a:lstStyle/>
+          <a:p>
+            <a:r>
+              <a:rPr lang="ru-RU" dirty="0" smtClean="0"/>
+              <a:t>ТАБЛИЦА </a:t>
+            </a:r>
+            <a:endParaRPr lang="ru-RU" dirty="0"/>
+          </a:p>
+        </p:txBody>
+      </p:sp>
+    </p:spTree>
+    <p:extLst>
+      <p:ext uri="{BB962C8B-B14F-4D97-AF65-F5344CB8AC3E}">
+        <p14:creationId xmlns:p14="http://schemas.microsoft.com/office/powerpoint/2010/main" val="2006396248"/>
+      </p:ext>
+    </p:extLst>
+  </p:cSld>
+  <p:clrMapOvr>
+    <a:masterClrMapping/>
+  </p:clrMapOvr>
+</p:sld>
+</file>
+
 <file path=ppt/slides/slide8.xml><?xml version="1.0" encoding="utf-8"?>
 <p:sld xmlns:a="http://schemas.openxmlformats.org/drawingml/2006/main" xmlns:r="http://schemas.openxmlformats.org/officeDocument/2006/relationships" xmlns:p="http://schemas.openxmlformats.org/presentationml/2006/main">
   <p:cSld>
@@ -4464,7 +7120,7 @@
       </p:grpSpPr>
       <p:sp>
         <p:nvSpPr>
-          <p:cNvPr id="2" name="Заголовок 1"/>
+          <p:cNvPr id="8" name="Заголовок 7"/>
           <p:cNvSpPr>
             <a:spLocks noGrp="1"/>
           </p:cNvSpPr>
@@ -4474,36 +7130,168 @@
         </p:nvSpPr>
         <p:spPr/>
         <p:txBody>
-          <a:bodyPr/>
-          <a:lstStyle/>
-          <a:p>
-            <a:endParaRPr lang="ru-RU"/>
-          </a:p>
-        </p:txBody>
-      </p:sp>
-      <p:sp>
-        <p:nvSpPr>
-          <p:cNvPr id="3" name="Объект 2"/>
-          <p:cNvSpPr>
-            <a:spLocks noGrp="1"/>
-          </p:cNvSpPr>
-          <p:nvPr>
-            <p:ph idx="1"/>
-          </p:nvPr>
-        </p:nvSpPr>
-        <p:spPr/>
-        <p:txBody>
-          <a:bodyPr/>
-          <a:lstStyle/>
-          <a:p>
-            <a:endParaRPr lang="ru-RU"/>
-          </a:p>
-        </p:txBody>
-      </p:sp>
+          <a:bodyPr>
+            <a:normAutofit/>
+          </a:bodyPr>
+          <a:lstStyle/>
+          <a:p>
+            <a:r>
+              <a:rPr lang="ru-RU" sz="5400" dirty="0" smtClean="0"/>
+              <a:t>Краткий обзор </a:t>
+            </a:r>
+            <a:r>
+              <a:rPr lang="ru-RU" sz="5400" dirty="0" smtClean="0"/>
+              <a:t>методов решения</a:t>
+            </a:r>
+            <a:endParaRPr lang="ru-RU" sz="5400" dirty="0"/>
+          </a:p>
+        </p:txBody>
+      </p:sp>
+      <mc:AlternateContent xmlns:mc="http://schemas.openxmlformats.org/markup-compatibility/2006">
+        <mc:Choice xmlns:a14="http://schemas.microsoft.com/office/drawing/2010/main" Requires="a14">
+          <p:sp>
+            <p:nvSpPr>
+              <p:cNvPr id="9" name="Объект 8"/>
+              <p:cNvSpPr>
+                <a:spLocks noGrp="1"/>
+              </p:cNvSpPr>
+              <p:nvPr>
+                <p:ph idx="1"/>
+              </p:nvPr>
+            </p:nvSpPr>
+            <p:spPr/>
+            <p:txBody>
+              <a:bodyPr>
+                <a:normAutofit fontScale="92500"/>
+              </a:bodyPr>
+              <a:lstStyle/>
+              <a:p>
+                <a:r>
+                  <a:rPr lang="ru-RU" sz="3200" dirty="0" smtClean="0"/>
+                  <a:t>Полный перебор – точный алгоритм, большое время работы даже для сравнительно небольших входных данных.</a:t>
+                </a:r>
+              </a:p>
+              <a:p>
+                <a:r>
+                  <a:rPr lang="ru-RU" sz="3200" dirty="0" smtClean="0"/>
+                  <a:t>Метод </a:t>
+                </a:r>
+                <a:r>
+                  <a:rPr lang="ru-RU" sz="3200" dirty="0" smtClean="0"/>
+                  <a:t>ветвей и границ – точный </a:t>
+                </a:r>
+                <a:r>
+                  <a:rPr lang="ru-RU" sz="3200" dirty="0" smtClean="0"/>
+                  <a:t>алгоритм, в худшем случае – время как у полного перебора.</a:t>
+                </a:r>
+                <a:endParaRPr lang="ru-RU" sz="3200" dirty="0" smtClean="0"/>
+              </a:p>
+              <a:p>
+                <a:r>
+                  <a:rPr lang="ru-RU" sz="3200" dirty="0" smtClean="0"/>
+                  <a:t>Динамическое программирование – точный </a:t>
+                </a:r>
+                <a:r>
+                  <a:rPr lang="ru-RU" sz="3200" dirty="0" smtClean="0"/>
+                  <a:t>алгоритм, большое время на больших объемах данных.</a:t>
+                </a:r>
+                <a:endParaRPr lang="ru-RU" sz="3200" dirty="0" smtClean="0"/>
+              </a:p>
+              <a:p>
+                <a:r>
+                  <a:rPr lang="ru-RU" sz="3200" dirty="0" smtClean="0"/>
+                  <a:t>Эволюционно-генетический алгоритм – приближенный, время работы задается.</a:t>
+                </a:r>
+              </a:p>
+              <a:p>
+                <a:r>
+                  <a:rPr lang="ru-RU" sz="3200" dirty="0" smtClean="0"/>
+                  <a:t>Жадный алгоритм – приближенный, </a:t>
+                </a:r>
+                <a:r>
+                  <a:rPr lang="ru-RU" sz="3200" dirty="0" smtClean="0"/>
+                  <a:t>время</a:t>
+                </a:r>
+                <a:r>
+                  <a:rPr lang="en-US" sz="3200" dirty="0" smtClean="0"/>
+                  <a:t> </a:t>
+                </a:r>
+                <a14:m>
+                  <m:oMath xmlns:m="http://schemas.openxmlformats.org/officeDocument/2006/math">
+                    <m:r>
+                      <a:rPr lang="en-US" sz="3200" b="0" i="1" smtClean="0">
+                        <a:latin typeface="Cambria Math" panose="02040503050406030204" pitchFamily="18" charset="0"/>
+                      </a:rPr>
+                      <m:t>𝑂</m:t>
+                    </m:r>
+                    <m:d>
+                      <m:dPr>
+                        <m:ctrlPr>
+                          <a:rPr lang="en-US" sz="3200" b="0" i="1" smtClean="0">
+                            <a:latin typeface="Cambria Math" panose="02040503050406030204" pitchFamily="18" charset="0"/>
+                          </a:rPr>
+                        </m:ctrlPr>
+                      </m:dPr>
+                      <m:e>
+                        <m:r>
+                          <a:rPr lang="en-US" sz="3200" b="0" i="1" smtClean="0">
+                            <a:latin typeface="Cambria Math" panose="02040503050406030204" pitchFamily="18" charset="0"/>
+                          </a:rPr>
+                          <m:t>𝑚𝑛</m:t>
+                        </m:r>
+                      </m:e>
+                    </m:d>
+                    <m:r>
+                      <a:rPr lang="en-US" sz="3200" b="0" i="0" smtClean="0">
+                        <a:latin typeface="Cambria Math" panose="02040503050406030204" pitchFamily="18" charset="0"/>
+                      </a:rPr>
+                      <m:t>.</m:t>
+                    </m:r>
+                  </m:oMath>
+                </a14:m>
+                <a:endParaRPr lang="ru-RU" sz="3200" dirty="0"/>
+              </a:p>
+            </p:txBody>
+          </p:sp>
+        </mc:Choice>
+        <mc:Fallback>
+          <p:sp>
+            <p:nvSpPr>
+              <p:cNvPr id="9" name="Объект 8"/>
+              <p:cNvSpPr>
+                <a:spLocks noGrp="1" noRot="1" noChangeAspect="1" noMove="1" noResize="1" noEditPoints="1" noAdjustHandles="1" noChangeArrowheads="1" noChangeShapeType="1" noTextEdit="1"/>
+              </p:cNvSpPr>
+              <p:nvPr>
+                <p:ph idx="1"/>
+              </p:nvPr>
+            </p:nvSpPr>
+            <p:spPr>
+              <a:blipFill>
+                <a:blip r:embed="rId2"/>
+                <a:stretch>
+                  <a:fillRect l="-1217" t="-2801" r="-812" b="-3361"/>
+                </a:stretch>
+              </a:blipFill>
+            </p:spPr>
+            <p:txBody>
+              <a:bodyPr/>
+              <a:lstStyle/>
+              <a:p>
+                <a:r>
+                  <a:rPr lang="ru-RU">
+                    <a:noFill/>
+                  </a:rPr>
+                  <a:t> </a:t>
+                </a:r>
+              </a:p>
+            </p:txBody>
+          </p:sp>
+        </mc:Fallback>
+      </mc:AlternateContent>
     </p:spTree>
     <p:extLst>
       <p:ext uri="{BB962C8B-B14F-4D97-AF65-F5344CB8AC3E}">
-        <p14:creationId xmlns:p14="http://schemas.microsoft.com/office/powerpoint/2010/main" val="2130980007"/>
+        <p14:creationId xmlns:p14="http://schemas.microsoft.com/office/powerpoint/2010/main" val="1824800685"/>
       </p:ext>
     </p:extLst>
   </p:cSld>
@@ -4539,115 +7327,58 @@
       </p:grpSpPr>
       <p:sp>
         <p:nvSpPr>
-          <p:cNvPr id="11" name="Заголовок 10"/>
-          <p:cNvSpPr>
-            <a:spLocks noGrp="1"/>
-          </p:cNvSpPr>
-          <p:nvPr>
-            <p:ph type="ctrTitle"/>
+          <p:cNvPr id="2" name="Заголовок 1"/>
+          <p:cNvSpPr>
+            <a:spLocks noGrp="1"/>
+          </p:cNvSpPr>
+          <p:nvPr>
+            <p:ph type="title"/>
           </p:nvPr>
         </p:nvSpPr>
         <p:spPr/>
         <p:txBody>
-          <a:bodyPr>
-            <a:normAutofit fontScale="90000"/>
-          </a:bodyPr>
-          <a:lstStyle/>
-          <a:p>
-            <a:r>
-              <a:rPr lang="ru-RU" sz="4400" dirty="0" smtClean="0"/>
-              <a:t>Дипломная работа</a:t>
-            </a:r>
-            <a:r>
-              <a:rPr lang="ru-RU" sz="4800" dirty="0" smtClean="0"/>
-              <a:t/>
-            </a:r>
-            <a:br>
-              <a:rPr lang="ru-RU" sz="4800" dirty="0" smtClean="0"/>
-            </a:br>
+          <a:bodyPr/>
+          <a:lstStyle/>
+          <a:p>
             <a:r>
               <a:rPr lang="ru-RU" dirty="0" smtClean="0"/>
-              <a:t/>
-            </a:r>
-            <a:br>
-              <a:rPr lang="ru-RU" dirty="0" smtClean="0"/>
-            </a:br>
-            <a:r>
-              <a:rPr lang="ru-RU" sz="2800" dirty="0" smtClean="0"/>
-              <a:t>на тему:</a:t>
-            </a:r>
-            <a:br>
-              <a:rPr lang="ru-RU" sz="2800" dirty="0" smtClean="0"/>
-            </a:br>
-            <a:r>
-              <a:rPr lang="ru-RU" sz="3600" b="1" dirty="0"/>
-              <a:t>Сравнительный анализ подходов к решению задачи об оптимальном распределении инвестиций</a:t>
-            </a:r>
-          </a:p>
-        </p:txBody>
-      </p:sp>
-      <p:sp>
-        <p:nvSpPr>
-          <p:cNvPr id="12" name="Подзаголовок 11"/>
-          <p:cNvSpPr>
-            <a:spLocks noGrp="1"/>
-          </p:cNvSpPr>
-          <p:nvPr>
-            <p:ph type="subTitle" idx="1"/>
-          </p:nvPr>
-        </p:nvSpPr>
-        <p:spPr/>
-        <p:txBody>
-          <a:bodyPr>
-            <a:normAutofit/>
-          </a:bodyPr>
-          <a:lstStyle/>
-          <a:p>
-            <a:pPr algn="r"/>
-            <a:endParaRPr lang="ru-RU" sz="2000" dirty="0" smtClean="0"/>
-          </a:p>
-          <a:p>
-            <a:pPr algn="r"/>
-            <a:r>
-              <a:rPr lang="ru-RU" sz="2000" dirty="0" smtClean="0"/>
-              <a:t>Выполнил: Иванеженков Данила Владимирович		</a:t>
-            </a:r>
-          </a:p>
-          <a:p>
-            <a:pPr algn="r"/>
-            <a:r>
-              <a:rPr lang="ru-RU" sz="2000" dirty="0" smtClean="0"/>
-              <a:t>Научный руководитель: </a:t>
-            </a:r>
-            <a:r>
-              <a:rPr lang="ru-RU" sz="2000" dirty="0" err="1" smtClean="0"/>
-              <a:t>Неймарк</a:t>
-            </a:r>
-            <a:r>
-              <a:rPr lang="ru-RU" sz="2000" dirty="0" smtClean="0"/>
-              <a:t> Елена Александровна	</a:t>
-            </a:r>
-            <a:endParaRPr lang="ru-RU" sz="2000" dirty="0"/>
+              <a:t>Метод динамического программирования</a:t>
+            </a:r>
+            <a:endParaRPr lang="ru-RU" dirty="0"/>
+          </a:p>
+        </p:txBody>
+      </p:sp>
+      <p:sp>
+        <p:nvSpPr>
+          <p:cNvPr id="3" name="Объект 2"/>
+          <p:cNvSpPr>
+            <a:spLocks noGrp="1"/>
+          </p:cNvSpPr>
+          <p:nvPr>
+            <p:ph idx="1"/>
+          </p:nvPr>
+        </p:nvSpPr>
+        <p:spPr>
+          <a:noFill/>
+        </p:spPr>
+        <p:txBody>
+          <a:bodyPr/>
+          <a:lstStyle/>
+          <a:p>
+            <a:endParaRPr lang="ru-RU" dirty="0"/>
           </a:p>
         </p:txBody>
       </p:sp>
     </p:spTree>
     <p:extLst>
       <p:ext uri="{BB962C8B-B14F-4D97-AF65-F5344CB8AC3E}">
-        <p14:creationId xmlns:p14="http://schemas.microsoft.com/office/powerpoint/2010/main" val="2933417979"/>
+        <p14:creationId xmlns:p14="http://schemas.microsoft.com/office/powerpoint/2010/main" val="2554739190"/>
       </p:ext>
     </p:extLst>
   </p:cSld>
   <p:clrMapOvr>
     <a:masterClrMapping/>
   </p:clrMapOvr>
-  <p:timing>
-    <p:tnLst>
-      <p:par>
-        <p:cTn id="1" dur="indefinite" restart="never" nodeType="tmRoot"/>
-      </p:par>
-    </p:tnLst>
-  </p:timing>
 </p:sld>
 </file>
 
